--- a/Raspberry PI Button Interface.pptx
+++ b/Raspberry PI Button Interface.pptx
@@ -10,6 +10,7 @@
   <p:sldIdLst>
     <p:sldId id="256" r:id="rId6"/>
     <p:sldId id="257" r:id="rId7"/>
+    <p:sldId id="258" r:id="rId8"/>
   </p:sldIdLst>
   <p:sldSz cy="5143500" cx="9144000"/>
   <p:notesSz cx="6858000" cy="9144000"/>
@@ -789,7 +790,7 @@
   <p:cSld>
     <p:spTree>
       <p:nvGrpSpPr>
-        <p:cNvPr id="57" name="Shape 57"/>
+        <p:cNvPr id="59" name="Shape 59"/>
         <p:cNvGrpSpPr/>
         <p:nvPr/>
       </p:nvGrpSpPr>
@@ -803,7 +804,7 @@
       </p:grpSpPr>
       <p:sp>
         <p:nvSpPr>
-          <p:cNvPr id="58" name="Google Shape;58;g565740a766_0_46:notes"/>
+          <p:cNvPr id="60" name="Google Shape;60;g565740a766_0_46:notes"/>
           <p:cNvSpPr/>
           <p:nvPr>
             <p:ph idx="2" type="sldImg"/>
@@ -838,7 +839,106 @@
       </p:sp>
       <p:sp>
         <p:nvSpPr>
-          <p:cNvPr id="59" name="Google Shape;59;g565740a766_0_46:notes"/>
+          <p:cNvPr id="61" name="Google Shape;61;g565740a766_0_46:notes"/>
+          <p:cNvSpPr txBox="1"/>
+          <p:nvPr>
+            <p:ph idx="1" type="body"/>
+          </p:nvPr>
+        </p:nvSpPr>
+        <p:spPr>
+          <a:xfrm>
+            <a:off x="685800" y="4343400"/>
+            <a:ext cx="5486400" cy="4114800"/>
+          </a:xfrm>
+          <a:prstGeom prst="rect">
+            <a:avLst/>
+          </a:prstGeom>
+        </p:spPr>
+        <p:txBody>
+          <a:bodyPr anchorCtr="0" anchor="t" bIns="91425" lIns="91425" spcFirstLastPara="1" rIns="91425" wrap="square" tIns="91425">
+            <a:noAutofit/>
+          </a:bodyPr>
+          <a:lstStyle/>
+          <a:p>
+            <a:pPr indent="0" lvl="0" marL="0" rtl="0" algn="l">
+              <a:spcBef>
+                <a:spcPts val="0"/>
+              </a:spcBef>
+              <a:spcAft>
+                <a:spcPts val="0"/>
+              </a:spcAft>
+              <a:buNone/>
+            </a:pPr>
+            <a:r>
+              <a:t/>
+            </a:r>
+            <a:endParaRPr/>
+          </a:p>
+        </p:txBody>
+      </p:sp>
+    </p:spTree>
+  </p:cSld>
+  <p:clrMapOvr>
+    <a:masterClrMapping/>
+  </p:clrMapOvr>
+</p:notes>
+</file>
+
+<file path=ppt/notesSlides/notesSlide3.xml><?xml version="1.0" encoding="utf-8"?>
+<p:notes xmlns:a="http://schemas.openxmlformats.org/drawingml/2006/main" xmlns:r="http://schemas.openxmlformats.org/officeDocument/2006/relationships" xmlns:mc="http://schemas.openxmlformats.org/markup-compatibility/2006" xmlns:mv="urn:schemas-microsoft-com:mac:vml" xmlns:p="http://schemas.openxmlformats.org/presentationml/2006/main" xmlns:c="http://schemas.openxmlformats.org/drawingml/2006/chart" xmlns:dgm="http://schemas.openxmlformats.org/drawingml/2006/diagram" xmlns:o="urn:schemas-microsoft-com:office:office" xmlns:v="urn:schemas-microsoft-com:vml" xmlns:pvml="urn:schemas-microsoft-com:office:powerpoint" xmlns:com="http://schemas.openxmlformats.org/drawingml/2006/compatibility" xmlns:p14="http://schemas.microsoft.com/office/powerpoint/2010/main" xmlns:p15="http://schemas.microsoft.com/office/powerpoint/2012/main" showMasterPhAnim="0" showMasterSp="0">
+  <p:cSld>
+    <p:spTree>
+      <p:nvGrpSpPr>
+        <p:cNvPr id="65" name="Shape 65"/>
+        <p:cNvGrpSpPr/>
+        <p:nvPr/>
+      </p:nvGrpSpPr>
+      <p:grpSpPr>
+        <a:xfrm>
+          <a:off x="0" y="0"/>
+          <a:ext cx="0" cy="0"/>
+          <a:chOff x="0" y="0"/>
+          <a:chExt cx="0" cy="0"/>
+        </a:xfrm>
+      </p:grpSpPr>
+      <p:sp>
+        <p:nvSpPr>
+          <p:cNvPr id="66" name="Google Shape;66;g565740a766_0_51:notes"/>
+          <p:cNvSpPr/>
+          <p:nvPr>
+            <p:ph idx="2" type="sldImg"/>
+          </p:nvPr>
+        </p:nvSpPr>
+        <p:spPr>
+          <a:xfrm>
+            <a:off x="381300" y="685800"/>
+            <a:ext cx="6096000" cy="3429000"/>
+          </a:xfrm>
+          <a:custGeom>
+            <a:rect b="b" l="l" r="r" t="t"/>
+            <a:pathLst>
+              <a:path extrusionOk="0" h="120000" w="120000">
+                <a:moveTo>
+                  <a:pt x="0" y="0"/>
+                </a:moveTo>
+                <a:lnTo>
+                  <a:pt x="120000" y="0"/>
+                </a:lnTo>
+                <a:lnTo>
+                  <a:pt x="120000" y="120000"/>
+                </a:lnTo>
+                <a:lnTo>
+                  <a:pt x="0" y="120000"/>
+                </a:lnTo>
+                <a:close/>
+              </a:path>
+            </a:pathLst>
+          </a:custGeom>
+        </p:spPr>
+      </p:sp>
+      <p:sp>
+        <p:nvSpPr>
+          <p:cNvPr id="67" name="Google Shape;67;g565740a766_0_51:notes"/>
           <p:cNvSpPr txBox="1"/>
           <p:nvPr>
             <p:ph idx="1" type="body"/>
@@ -920,7 +1020,7 @@
         <p:txBody>
           <a:bodyPr anchorCtr="0" anchor="b" bIns="91425" lIns="91425" spcFirstLastPara="1" rIns="91425" wrap="square" tIns="91425"/>
           <a:lstStyle>
-            <a:lvl1pPr lvl="0" algn="ctr">
+            <a:lvl1pPr lvl="0" rtl="0" algn="ctr">
               <a:spcBef>
                 <a:spcPts val="0"/>
               </a:spcBef>
@@ -931,7 +1031,7 @@
               <a:buNone/>
               <a:defRPr sz="5200"/>
             </a:lvl1pPr>
-            <a:lvl2pPr lvl="1" algn="ctr">
+            <a:lvl2pPr lvl="1" rtl="0" algn="ctr">
               <a:spcBef>
                 <a:spcPts val="0"/>
               </a:spcBef>
@@ -942,7 +1042,7 @@
               <a:buNone/>
               <a:defRPr sz="5200"/>
             </a:lvl2pPr>
-            <a:lvl3pPr lvl="2" algn="ctr">
+            <a:lvl3pPr lvl="2" rtl="0" algn="ctr">
               <a:spcBef>
                 <a:spcPts val="0"/>
               </a:spcBef>
@@ -953,7 +1053,7 @@
               <a:buNone/>
               <a:defRPr sz="5200"/>
             </a:lvl3pPr>
-            <a:lvl4pPr lvl="3" algn="ctr">
+            <a:lvl4pPr lvl="3" rtl="0" algn="ctr">
               <a:spcBef>
                 <a:spcPts val="0"/>
               </a:spcBef>
@@ -964,7 +1064,7 @@
               <a:buNone/>
               <a:defRPr sz="5200"/>
             </a:lvl4pPr>
-            <a:lvl5pPr lvl="4" algn="ctr">
+            <a:lvl5pPr lvl="4" rtl="0" algn="ctr">
               <a:spcBef>
                 <a:spcPts val="0"/>
               </a:spcBef>
@@ -975,7 +1075,7 @@
               <a:buNone/>
               <a:defRPr sz="5200"/>
             </a:lvl5pPr>
-            <a:lvl6pPr lvl="5" algn="ctr">
+            <a:lvl6pPr lvl="5" rtl="0" algn="ctr">
               <a:spcBef>
                 <a:spcPts val="0"/>
               </a:spcBef>
@@ -986,7 +1086,7 @@
               <a:buNone/>
               <a:defRPr sz="5200"/>
             </a:lvl6pPr>
-            <a:lvl7pPr lvl="6" algn="ctr">
+            <a:lvl7pPr lvl="6" rtl="0" algn="ctr">
               <a:spcBef>
                 <a:spcPts val="0"/>
               </a:spcBef>
@@ -997,7 +1097,7 @@
               <a:buNone/>
               <a:defRPr sz="5200"/>
             </a:lvl7pPr>
-            <a:lvl8pPr lvl="7" algn="ctr">
+            <a:lvl8pPr lvl="7" rtl="0" algn="ctr">
               <a:spcBef>
                 <a:spcPts val="0"/>
               </a:spcBef>
@@ -1008,7 +1108,7 @@
               <a:buNone/>
               <a:defRPr sz="5200"/>
             </a:lvl8pPr>
-            <a:lvl9pPr lvl="8" algn="ctr">
+            <a:lvl9pPr lvl="8" rtl="0" algn="ctr">
               <a:spcBef>
                 <a:spcPts val="0"/>
               </a:spcBef>
@@ -1043,7 +1143,7 @@
         <p:txBody>
           <a:bodyPr anchorCtr="0" anchor="t" bIns="91425" lIns="91425" spcFirstLastPara="1" rIns="91425" wrap="square" tIns="91425"/>
           <a:lstStyle>
-            <a:lvl1pPr lvl="0" algn="ctr">
+            <a:lvl1pPr lvl="0" rtl="0" algn="ctr">
               <a:lnSpc>
                 <a:spcPct val="100000"/>
               </a:lnSpc>
@@ -1057,7 +1157,7 @@
               <a:buNone/>
               <a:defRPr sz="2800"/>
             </a:lvl1pPr>
-            <a:lvl2pPr lvl="1" algn="ctr">
+            <a:lvl2pPr lvl="1" rtl="0" algn="ctr">
               <a:lnSpc>
                 <a:spcPct val="100000"/>
               </a:lnSpc>
@@ -1071,7 +1171,7 @@
               <a:buNone/>
               <a:defRPr sz="2800"/>
             </a:lvl2pPr>
-            <a:lvl3pPr lvl="2" algn="ctr">
+            <a:lvl3pPr lvl="2" rtl="0" algn="ctr">
               <a:lnSpc>
                 <a:spcPct val="100000"/>
               </a:lnSpc>
@@ -1085,7 +1185,7 @@
               <a:buNone/>
               <a:defRPr sz="2800"/>
             </a:lvl3pPr>
-            <a:lvl4pPr lvl="3" algn="ctr">
+            <a:lvl4pPr lvl="3" rtl="0" algn="ctr">
               <a:lnSpc>
                 <a:spcPct val="100000"/>
               </a:lnSpc>
@@ -1099,7 +1199,7 @@
               <a:buNone/>
               <a:defRPr sz="2800"/>
             </a:lvl4pPr>
-            <a:lvl5pPr lvl="4" algn="ctr">
+            <a:lvl5pPr lvl="4" rtl="0" algn="ctr">
               <a:lnSpc>
                 <a:spcPct val="100000"/>
               </a:lnSpc>
@@ -1113,7 +1213,7 @@
               <a:buNone/>
               <a:defRPr sz="2800"/>
             </a:lvl5pPr>
-            <a:lvl6pPr lvl="5" algn="ctr">
+            <a:lvl6pPr lvl="5" rtl="0" algn="ctr">
               <a:lnSpc>
                 <a:spcPct val="100000"/>
               </a:lnSpc>
@@ -1127,7 +1227,7 @@
               <a:buNone/>
               <a:defRPr sz="2800"/>
             </a:lvl6pPr>
-            <a:lvl7pPr lvl="6" algn="ctr">
+            <a:lvl7pPr lvl="6" rtl="0" algn="ctr">
               <a:lnSpc>
                 <a:spcPct val="100000"/>
               </a:lnSpc>
@@ -1141,7 +1241,7 @@
               <a:buNone/>
               <a:defRPr sz="2800"/>
             </a:lvl7pPr>
-            <a:lvl8pPr lvl="7" algn="ctr">
+            <a:lvl8pPr lvl="7" rtl="0" algn="ctr">
               <a:lnSpc>
                 <a:spcPct val="100000"/>
               </a:lnSpc>
@@ -1155,7 +1255,7 @@
               <a:buNone/>
               <a:defRPr sz="2800"/>
             </a:lvl8pPr>
-            <a:lvl9pPr lvl="8" algn="ctr">
+            <a:lvl9pPr lvl="8" rtl="0" algn="ctr">
               <a:lnSpc>
                 <a:spcPct val="100000"/>
               </a:lnSpc>
@@ -1195,39 +1295,39 @@
             <a:noAutofit/>
           </a:bodyPr>
           <a:lstStyle>
-            <a:lvl1pPr lvl="0">
+            <a:lvl1pPr lvl="0" rtl="0">
               <a:buNone/>
               <a:defRPr/>
             </a:lvl1pPr>
-            <a:lvl2pPr lvl="1">
+            <a:lvl2pPr lvl="1" rtl="0">
               <a:buNone/>
               <a:defRPr/>
             </a:lvl2pPr>
-            <a:lvl3pPr lvl="2">
+            <a:lvl3pPr lvl="2" rtl="0">
               <a:buNone/>
               <a:defRPr/>
             </a:lvl3pPr>
-            <a:lvl4pPr lvl="3">
+            <a:lvl4pPr lvl="3" rtl="0">
               <a:buNone/>
               <a:defRPr/>
             </a:lvl4pPr>
-            <a:lvl5pPr lvl="4">
+            <a:lvl5pPr lvl="4" rtl="0">
               <a:buNone/>
               <a:defRPr/>
             </a:lvl5pPr>
-            <a:lvl6pPr lvl="5">
+            <a:lvl6pPr lvl="5" rtl="0">
               <a:buNone/>
               <a:defRPr/>
             </a:lvl6pPr>
-            <a:lvl7pPr lvl="6">
+            <a:lvl7pPr lvl="6" rtl="0">
               <a:buNone/>
               <a:defRPr/>
             </a:lvl7pPr>
-            <a:lvl8pPr lvl="7">
+            <a:lvl8pPr lvl="7" rtl="0">
               <a:buNone/>
               <a:defRPr/>
             </a:lvl8pPr>
-            <a:lvl9pPr lvl="8">
+            <a:lvl9pPr lvl="8" rtl="0">
               <a:buNone/>
               <a:defRPr/>
             </a:lvl9pPr>
@@ -1295,7 +1395,7 @@
         <p:txBody>
           <a:bodyPr anchorCtr="0" anchor="b" bIns="91425" lIns="91425" spcFirstLastPara="1" rIns="91425" wrap="square" tIns="91425"/>
           <a:lstStyle>
-            <a:lvl1pPr lvl="0" algn="ctr">
+            <a:lvl1pPr lvl="0" rtl="0" algn="ctr">
               <a:spcBef>
                 <a:spcPts val="0"/>
               </a:spcBef>
@@ -1306,7 +1406,7 @@
               <a:buNone/>
               <a:defRPr sz="12000"/>
             </a:lvl1pPr>
-            <a:lvl2pPr lvl="1" algn="ctr">
+            <a:lvl2pPr lvl="1" rtl="0" algn="ctr">
               <a:spcBef>
                 <a:spcPts val="0"/>
               </a:spcBef>
@@ -1317,7 +1417,7 @@
               <a:buNone/>
               <a:defRPr sz="12000"/>
             </a:lvl2pPr>
-            <a:lvl3pPr lvl="2" algn="ctr">
+            <a:lvl3pPr lvl="2" rtl="0" algn="ctr">
               <a:spcBef>
                 <a:spcPts val="0"/>
               </a:spcBef>
@@ -1328,7 +1428,7 @@
               <a:buNone/>
               <a:defRPr sz="12000"/>
             </a:lvl3pPr>
-            <a:lvl4pPr lvl="3" algn="ctr">
+            <a:lvl4pPr lvl="3" rtl="0" algn="ctr">
               <a:spcBef>
                 <a:spcPts val="0"/>
               </a:spcBef>
@@ -1339,7 +1439,7 @@
               <a:buNone/>
               <a:defRPr sz="12000"/>
             </a:lvl4pPr>
-            <a:lvl5pPr lvl="4" algn="ctr">
+            <a:lvl5pPr lvl="4" rtl="0" algn="ctr">
               <a:spcBef>
                 <a:spcPts val="0"/>
               </a:spcBef>
@@ -1350,7 +1450,7 @@
               <a:buNone/>
               <a:defRPr sz="12000"/>
             </a:lvl5pPr>
-            <a:lvl6pPr lvl="5" algn="ctr">
+            <a:lvl6pPr lvl="5" rtl="0" algn="ctr">
               <a:spcBef>
                 <a:spcPts val="0"/>
               </a:spcBef>
@@ -1361,7 +1461,7 @@
               <a:buNone/>
               <a:defRPr sz="12000"/>
             </a:lvl6pPr>
-            <a:lvl7pPr lvl="6" algn="ctr">
+            <a:lvl7pPr lvl="6" rtl="0" algn="ctr">
               <a:spcBef>
                 <a:spcPts val="0"/>
               </a:spcBef>
@@ -1372,7 +1472,7 @@
               <a:buNone/>
               <a:defRPr sz="12000"/>
             </a:lvl7pPr>
-            <a:lvl8pPr lvl="7" algn="ctr">
+            <a:lvl8pPr lvl="7" rtl="0" algn="ctr">
               <a:spcBef>
                 <a:spcPts val="0"/>
               </a:spcBef>
@@ -1383,7 +1483,7 @@
               <a:buNone/>
               <a:defRPr sz="12000"/>
             </a:lvl8pPr>
-            <a:lvl9pPr lvl="8" algn="ctr">
+            <a:lvl9pPr lvl="8" rtl="0" algn="ctr">
               <a:spcBef>
                 <a:spcPts val="0"/>
               </a:spcBef>
@@ -1422,7 +1522,7 @@
         <p:txBody>
           <a:bodyPr anchorCtr="0" anchor="t" bIns="91425" lIns="91425" spcFirstLastPara="1" rIns="91425" wrap="square" tIns="91425"/>
           <a:lstStyle>
-            <a:lvl1pPr indent="-342900" lvl="0" marL="457200" algn="ctr">
+            <a:lvl1pPr indent="-342900" lvl="0" marL="457200" rtl="0" algn="ctr">
               <a:spcBef>
                 <a:spcPts val="0"/>
               </a:spcBef>
@@ -1433,7 +1533,7 @@
               <a:buChar char="●"/>
               <a:defRPr/>
             </a:lvl1pPr>
-            <a:lvl2pPr indent="-317500" lvl="1" marL="914400" algn="ctr">
+            <a:lvl2pPr indent="-317500" lvl="1" marL="914400" rtl="0" algn="ctr">
               <a:spcBef>
                 <a:spcPts val="1600"/>
               </a:spcBef>
@@ -1444,7 +1544,7 @@
               <a:buChar char="○"/>
               <a:defRPr/>
             </a:lvl2pPr>
-            <a:lvl3pPr indent="-317500" lvl="2" marL="1371600" algn="ctr">
+            <a:lvl3pPr indent="-317500" lvl="2" marL="1371600" rtl="0" algn="ctr">
               <a:spcBef>
                 <a:spcPts val="1600"/>
               </a:spcBef>
@@ -1455,7 +1555,7 @@
               <a:buChar char="■"/>
               <a:defRPr/>
             </a:lvl3pPr>
-            <a:lvl4pPr indent="-317500" lvl="3" marL="1828800" algn="ctr">
+            <a:lvl4pPr indent="-317500" lvl="3" marL="1828800" rtl="0" algn="ctr">
               <a:spcBef>
                 <a:spcPts val="1600"/>
               </a:spcBef>
@@ -1466,7 +1566,7 @@
               <a:buChar char="●"/>
               <a:defRPr/>
             </a:lvl4pPr>
-            <a:lvl5pPr indent="-317500" lvl="4" marL="2286000" algn="ctr">
+            <a:lvl5pPr indent="-317500" lvl="4" marL="2286000" rtl="0" algn="ctr">
               <a:spcBef>
                 <a:spcPts val="1600"/>
               </a:spcBef>
@@ -1477,7 +1577,7 @@
               <a:buChar char="○"/>
               <a:defRPr/>
             </a:lvl5pPr>
-            <a:lvl6pPr indent="-317500" lvl="5" marL="2743200" algn="ctr">
+            <a:lvl6pPr indent="-317500" lvl="5" marL="2743200" rtl="0" algn="ctr">
               <a:spcBef>
                 <a:spcPts val="1600"/>
               </a:spcBef>
@@ -1488,7 +1588,7 @@
               <a:buChar char="■"/>
               <a:defRPr/>
             </a:lvl6pPr>
-            <a:lvl7pPr indent="-317500" lvl="6" marL="3200400" algn="ctr">
+            <a:lvl7pPr indent="-317500" lvl="6" marL="3200400" rtl="0" algn="ctr">
               <a:spcBef>
                 <a:spcPts val="1600"/>
               </a:spcBef>
@@ -1499,7 +1599,7 @@
               <a:buChar char="●"/>
               <a:defRPr/>
             </a:lvl7pPr>
-            <a:lvl8pPr indent="-317500" lvl="7" marL="3657600" algn="ctr">
+            <a:lvl8pPr indent="-317500" lvl="7" marL="3657600" rtl="0" algn="ctr">
               <a:spcBef>
                 <a:spcPts val="1600"/>
               </a:spcBef>
@@ -1510,7 +1610,7 @@
               <a:buChar char="○"/>
               <a:defRPr/>
             </a:lvl8pPr>
-            <a:lvl9pPr indent="-317500" lvl="8" marL="4114800" algn="ctr">
+            <a:lvl9pPr indent="-317500" lvl="8" marL="4114800" rtl="0" algn="ctr">
               <a:spcBef>
                 <a:spcPts val="1600"/>
               </a:spcBef>
@@ -1547,39 +1647,39 @@
             <a:noAutofit/>
           </a:bodyPr>
           <a:lstStyle>
-            <a:lvl1pPr lvl="0">
+            <a:lvl1pPr lvl="0" rtl="0">
               <a:buNone/>
               <a:defRPr/>
             </a:lvl1pPr>
-            <a:lvl2pPr lvl="1">
+            <a:lvl2pPr lvl="1" rtl="0">
               <a:buNone/>
               <a:defRPr/>
             </a:lvl2pPr>
-            <a:lvl3pPr lvl="2">
+            <a:lvl3pPr lvl="2" rtl="0">
               <a:buNone/>
               <a:defRPr/>
             </a:lvl3pPr>
-            <a:lvl4pPr lvl="3">
+            <a:lvl4pPr lvl="3" rtl="0">
               <a:buNone/>
               <a:defRPr/>
             </a:lvl4pPr>
-            <a:lvl5pPr lvl="4">
+            <a:lvl5pPr lvl="4" rtl="0">
               <a:buNone/>
               <a:defRPr/>
             </a:lvl5pPr>
-            <a:lvl6pPr lvl="5">
+            <a:lvl6pPr lvl="5" rtl="0">
               <a:buNone/>
               <a:defRPr/>
             </a:lvl6pPr>
-            <a:lvl7pPr lvl="6">
+            <a:lvl7pPr lvl="6" rtl="0">
               <a:buNone/>
               <a:defRPr/>
             </a:lvl7pPr>
-            <a:lvl8pPr lvl="7">
+            <a:lvl8pPr lvl="7" rtl="0">
               <a:buNone/>
               <a:defRPr/>
             </a:lvl8pPr>
-            <a:lvl9pPr lvl="8">
+            <a:lvl9pPr lvl="8" rtl="0">
               <a:buNone/>
               <a:defRPr/>
             </a:lvl9pPr>
@@ -1649,39 +1749,39 @@
             <a:noAutofit/>
           </a:bodyPr>
           <a:lstStyle>
-            <a:lvl1pPr lvl="0">
+            <a:lvl1pPr lvl="0" rtl="0">
               <a:buNone/>
               <a:defRPr/>
             </a:lvl1pPr>
-            <a:lvl2pPr lvl="1">
+            <a:lvl2pPr lvl="1" rtl="0">
               <a:buNone/>
               <a:defRPr/>
             </a:lvl2pPr>
-            <a:lvl3pPr lvl="2">
+            <a:lvl3pPr lvl="2" rtl="0">
               <a:buNone/>
               <a:defRPr/>
             </a:lvl3pPr>
-            <a:lvl4pPr lvl="3">
+            <a:lvl4pPr lvl="3" rtl="0">
               <a:buNone/>
               <a:defRPr/>
             </a:lvl4pPr>
-            <a:lvl5pPr lvl="4">
+            <a:lvl5pPr lvl="4" rtl="0">
               <a:buNone/>
               <a:defRPr/>
             </a:lvl5pPr>
-            <a:lvl6pPr lvl="5">
+            <a:lvl6pPr lvl="5" rtl="0">
               <a:buNone/>
               <a:defRPr/>
             </a:lvl6pPr>
-            <a:lvl7pPr lvl="6">
+            <a:lvl7pPr lvl="6" rtl="0">
               <a:buNone/>
               <a:defRPr/>
             </a:lvl7pPr>
-            <a:lvl8pPr lvl="7">
+            <a:lvl8pPr lvl="7" rtl="0">
               <a:buNone/>
               <a:defRPr/>
             </a:lvl8pPr>
-            <a:lvl9pPr lvl="8">
+            <a:lvl9pPr lvl="8" rtl="0">
               <a:buNone/>
               <a:defRPr/>
             </a:lvl9pPr>
@@ -1749,7 +1849,7 @@
         <p:txBody>
           <a:bodyPr anchorCtr="0" anchor="ctr" bIns="91425" lIns="91425" spcFirstLastPara="1" rIns="91425" wrap="square" tIns="91425"/>
           <a:lstStyle>
-            <a:lvl1pPr lvl="0" algn="ctr">
+            <a:lvl1pPr lvl="0" rtl="0" algn="ctr">
               <a:spcBef>
                 <a:spcPts val="0"/>
               </a:spcBef>
@@ -1760,7 +1860,7 @@
               <a:buNone/>
               <a:defRPr sz="3600"/>
             </a:lvl1pPr>
-            <a:lvl2pPr lvl="1" algn="ctr">
+            <a:lvl2pPr lvl="1" rtl="0" algn="ctr">
               <a:spcBef>
                 <a:spcPts val="0"/>
               </a:spcBef>
@@ -1771,7 +1871,7 @@
               <a:buNone/>
               <a:defRPr sz="3600"/>
             </a:lvl2pPr>
-            <a:lvl3pPr lvl="2" algn="ctr">
+            <a:lvl3pPr lvl="2" rtl="0" algn="ctr">
               <a:spcBef>
                 <a:spcPts val="0"/>
               </a:spcBef>
@@ -1782,7 +1882,7 @@
               <a:buNone/>
               <a:defRPr sz="3600"/>
             </a:lvl3pPr>
-            <a:lvl4pPr lvl="3" algn="ctr">
+            <a:lvl4pPr lvl="3" rtl="0" algn="ctr">
               <a:spcBef>
                 <a:spcPts val="0"/>
               </a:spcBef>
@@ -1793,7 +1893,7 @@
               <a:buNone/>
               <a:defRPr sz="3600"/>
             </a:lvl4pPr>
-            <a:lvl5pPr lvl="4" algn="ctr">
+            <a:lvl5pPr lvl="4" rtl="0" algn="ctr">
               <a:spcBef>
                 <a:spcPts val="0"/>
               </a:spcBef>
@@ -1804,7 +1904,7 @@
               <a:buNone/>
               <a:defRPr sz="3600"/>
             </a:lvl5pPr>
-            <a:lvl6pPr lvl="5" algn="ctr">
+            <a:lvl6pPr lvl="5" rtl="0" algn="ctr">
               <a:spcBef>
                 <a:spcPts val="0"/>
               </a:spcBef>
@@ -1815,7 +1915,7 @@
               <a:buNone/>
               <a:defRPr sz="3600"/>
             </a:lvl6pPr>
-            <a:lvl7pPr lvl="6" algn="ctr">
+            <a:lvl7pPr lvl="6" rtl="0" algn="ctr">
               <a:spcBef>
                 <a:spcPts val="0"/>
               </a:spcBef>
@@ -1826,7 +1926,7 @@
               <a:buNone/>
               <a:defRPr sz="3600"/>
             </a:lvl7pPr>
-            <a:lvl8pPr lvl="7" algn="ctr">
+            <a:lvl8pPr lvl="7" rtl="0" algn="ctr">
               <a:spcBef>
                 <a:spcPts val="0"/>
               </a:spcBef>
@@ -1837,7 +1937,7 @@
               <a:buNone/>
               <a:defRPr sz="3600"/>
             </a:lvl8pPr>
-            <a:lvl9pPr lvl="8" algn="ctr">
+            <a:lvl9pPr lvl="8" rtl="0" algn="ctr">
               <a:spcBef>
                 <a:spcPts val="0"/>
               </a:spcBef>
@@ -1874,39 +1974,39 @@
             <a:noAutofit/>
           </a:bodyPr>
           <a:lstStyle>
-            <a:lvl1pPr lvl="0">
+            <a:lvl1pPr lvl="0" rtl="0">
               <a:buNone/>
               <a:defRPr/>
             </a:lvl1pPr>
-            <a:lvl2pPr lvl="1">
+            <a:lvl2pPr lvl="1" rtl="0">
               <a:buNone/>
               <a:defRPr/>
             </a:lvl2pPr>
-            <a:lvl3pPr lvl="2">
+            <a:lvl3pPr lvl="2" rtl="0">
               <a:buNone/>
               <a:defRPr/>
             </a:lvl3pPr>
-            <a:lvl4pPr lvl="3">
+            <a:lvl4pPr lvl="3" rtl="0">
               <a:buNone/>
               <a:defRPr/>
             </a:lvl4pPr>
-            <a:lvl5pPr lvl="4">
+            <a:lvl5pPr lvl="4" rtl="0">
               <a:buNone/>
               <a:defRPr/>
             </a:lvl5pPr>
-            <a:lvl6pPr lvl="5">
+            <a:lvl6pPr lvl="5" rtl="0">
               <a:buNone/>
               <a:defRPr/>
             </a:lvl6pPr>
-            <a:lvl7pPr lvl="6">
+            <a:lvl7pPr lvl="6" rtl="0">
               <a:buNone/>
               <a:defRPr/>
             </a:lvl7pPr>
-            <a:lvl8pPr lvl="7">
+            <a:lvl8pPr lvl="7" rtl="0">
               <a:buNone/>
               <a:defRPr/>
             </a:lvl8pPr>
-            <a:lvl9pPr lvl="8">
+            <a:lvl9pPr lvl="8" rtl="0">
               <a:buNone/>
               <a:defRPr/>
             </a:lvl9pPr>
@@ -1974,7 +2074,7 @@
         <p:txBody>
           <a:bodyPr anchorCtr="0" anchor="t" bIns="91425" lIns="91425" spcFirstLastPara="1" rIns="91425" wrap="square" tIns="91425"/>
           <a:lstStyle>
-            <a:lvl1pPr lvl="0">
+            <a:lvl1pPr lvl="0" rtl="0">
               <a:spcBef>
                 <a:spcPts val="0"/>
               </a:spcBef>
@@ -1985,7 +2085,7 @@
               <a:buNone/>
               <a:defRPr/>
             </a:lvl1pPr>
-            <a:lvl2pPr lvl="1">
+            <a:lvl2pPr lvl="1" rtl="0">
               <a:spcBef>
                 <a:spcPts val="0"/>
               </a:spcBef>
@@ -1996,7 +2096,7 @@
               <a:buNone/>
               <a:defRPr/>
             </a:lvl2pPr>
-            <a:lvl3pPr lvl="2">
+            <a:lvl3pPr lvl="2" rtl="0">
               <a:spcBef>
                 <a:spcPts val="0"/>
               </a:spcBef>
@@ -2007,7 +2107,7 @@
               <a:buNone/>
               <a:defRPr/>
             </a:lvl3pPr>
-            <a:lvl4pPr lvl="3">
+            <a:lvl4pPr lvl="3" rtl="0">
               <a:spcBef>
                 <a:spcPts val="0"/>
               </a:spcBef>
@@ -2018,7 +2118,7 @@
               <a:buNone/>
               <a:defRPr/>
             </a:lvl4pPr>
-            <a:lvl5pPr lvl="4">
+            <a:lvl5pPr lvl="4" rtl="0">
               <a:spcBef>
                 <a:spcPts val="0"/>
               </a:spcBef>
@@ -2029,7 +2129,7 @@
               <a:buNone/>
               <a:defRPr/>
             </a:lvl5pPr>
-            <a:lvl6pPr lvl="5">
+            <a:lvl6pPr lvl="5" rtl="0">
               <a:spcBef>
                 <a:spcPts val="0"/>
               </a:spcBef>
@@ -2040,7 +2140,7 @@
               <a:buNone/>
               <a:defRPr/>
             </a:lvl6pPr>
-            <a:lvl7pPr lvl="6">
+            <a:lvl7pPr lvl="6" rtl="0">
               <a:spcBef>
                 <a:spcPts val="0"/>
               </a:spcBef>
@@ -2051,7 +2151,7 @@
               <a:buNone/>
               <a:defRPr/>
             </a:lvl7pPr>
-            <a:lvl8pPr lvl="7">
+            <a:lvl8pPr lvl="7" rtl="0">
               <a:spcBef>
                 <a:spcPts val="0"/>
               </a:spcBef>
@@ -2062,7 +2162,7 @@
               <a:buNone/>
               <a:defRPr/>
             </a:lvl8pPr>
-            <a:lvl9pPr lvl="8">
+            <a:lvl9pPr lvl="8" rtl="0">
               <a:spcBef>
                 <a:spcPts val="0"/>
               </a:spcBef>
@@ -2097,7 +2197,7 @@
         <p:txBody>
           <a:bodyPr anchorCtr="0" anchor="t" bIns="91425" lIns="91425" spcFirstLastPara="1" rIns="91425" wrap="square" tIns="91425"/>
           <a:lstStyle>
-            <a:lvl1pPr indent="-342900" lvl="0" marL="457200">
+            <a:lvl1pPr indent="-342900" lvl="0" marL="457200" rtl="0">
               <a:spcBef>
                 <a:spcPts val="0"/>
               </a:spcBef>
@@ -2108,7 +2208,7 @@
               <a:buChar char="●"/>
               <a:defRPr/>
             </a:lvl1pPr>
-            <a:lvl2pPr indent="-317500" lvl="1" marL="914400">
+            <a:lvl2pPr indent="-317500" lvl="1" marL="914400" rtl="0">
               <a:spcBef>
                 <a:spcPts val="1600"/>
               </a:spcBef>
@@ -2119,7 +2219,7 @@
               <a:buChar char="○"/>
               <a:defRPr/>
             </a:lvl2pPr>
-            <a:lvl3pPr indent="-317500" lvl="2" marL="1371600">
+            <a:lvl3pPr indent="-317500" lvl="2" marL="1371600" rtl="0">
               <a:spcBef>
                 <a:spcPts val="1600"/>
               </a:spcBef>
@@ -2130,7 +2230,7 @@
               <a:buChar char="■"/>
               <a:defRPr/>
             </a:lvl3pPr>
-            <a:lvl4pPr indent="-317500" lvl="3" marL="1828800">
+            <a:lvl4pPr indent="-317500" lvl="3" marL="1828800" rtl="0">
               <a:spcBef>
                 <a:spcPts val="1600"/>
               </a:spcBef>
@@ -2141,7 +2241,7 @@
               <a:buChar char="●"/>
               <a:defRPr/>
             </a:lvl4pPr>
-            <a:lvl5pPr indent="-317500" lvl="4" marL="2286000">
+            <a:lvl5pPr indent="-317500" lvl="4" marL="2286000" rtl="0">
               <a:spcBef>
                 <a:spcPts val="1600"/>
               </a:spcBef>
@@ -2152,7 +2252,7 @@
               <a:buChar char="○"/>
               <a:defRPr/>
             </a:lvl5pPr>
-            <a:lvl6pPr indent="-317500" lvl="5" marL="2743200">
+            <a:lvl6pPr indent="-317500" lvl="5" marL="2743200" rtl="0">
               <a:spcBef>
                 <a:spcPts val="1600"/>
               </a:spcBef>
@@ -2163,7 +2263,7 @@
               <a:buChar char="■"/>
               <a:defRPr/>
             </a:lvl6pPr>
-            <a:lvl7pPr indent="-317500" lvl="6" marL="3200400">
+            <a:lvl7pPr indent="-317500" lvl="6" marL="3200400" rtl="0">
               <a:spcBef>
                 <a:spcPts val="1600"/>
               </a:spcBef>
@@ -2174,7 +2274,7 @@
               <a:buChar char="●"/>
               <a:defRPr/>
             </a:lvl7pPr>
-            <a:lvl8pPr indent="-317500" lvl="7" marL="3657600">
+            <a:lvl8pPr indent="-317500" lvl="7" marL="3657600" rtl="0">
               <a:spcBef>
                 <a:spcPts val="1600"/>
               </a:spcBef>
@@ -2185,7 +2285,7 @@
               <a:buChar char="○"/>
               <a:defRPr/>
             </a:lvl8pPr>
-            <a:lvl9pPr indent="-317500" lvl="8" marL="4114800">
+            <a:lvl9pPr indent="-317500" lvl="8" marL="4114800" rtl="0">
               <a:spcBef>
                 <a:spcPts val="1600"/>
               </a:spcBef>
@@ -2222,39 +2322,39 @@
             <a:noAutofit/>
           </a:bodyPr>
           <a:lstStyle>
-            <a:lvl1pPr lvl="0">
+            <a:lvl1pPr lvl="0" rtl="0">
               <a:buNone/>
               <a:defRPr/>
             </a:lvl1pPr>
-            <a:lvl2pPr lvl="1">
+            <a:lvl2pPr lvl="1" rtl="0">
               <a:buNone/>
               <a:defRPr/>
             </a:lvl2pPr>
-            <a:lvl3pPr lvl="2">
+            <a:lvl3pPr lvl="2" rtl="0">
               <a:buNone/>
               <a:defRPr/>
             </a:lvl3pPr>
-            <a:lvl4pPr lvl="3">
+            <a:lvl4pPr lvl="3" rtl="0">
               <a:buNone/>
               <a:defRPr/>
             </a:lvl4pPr>
-            <a:lvl5pPr lvl="4">
+            <a:lvl5pPr lvl="4" rtl="0">
               <a:buNone/>
               <a:defRPr/>
             </a:lvl5pPr>
-            <a:lvl6pPr lvl="5">
+            <a:lvl6pPr lvl="5" rtl="0">
               <a:buNone/>
               <a:defRPr/>
             </a:lvl6pPr>
-            <a:lvl7pPr lvl="6">
+            <a:lvl7pPr lvl="6" rtl="0">
               <a:buNone/>
               <a:defRPr/>
             </a:lvl7pPr>
-            <a:lvl8pPr lvl="7">
+            <a:lvl8pPr lvl="7" rtl="0">
               <a:buNone/>
               <a:defRPr/>
             </a:lvl8pPr>
-            <a:lvl9pPr lvl="8">
+            <a:lvl9pPr lvl="8" rtl="0">
               <a:buNone/>
               <a:defRPr/>
             </a:lvl9pPr>
@@ -2322,7 +2422,7 @@
         <p:txBody>
           <a:bodyPr anchorCtr="0" anchor="t" bIns="91425" lIns="91425" spcFirstLastPara="1" rIns="91425" wrap="square" tIns="91425"/>
           <a:lstStyle>
-            <a:lvl1pPr lvl="0">
+            <a:lvl1pPr lvl="0" rtl="0">
               <a:spcBef>
                 <a:spcPts val="0"/>
               </a:spcBef>
@@ -2333,7 +2433,7 @@
               <a:buNone/>
               <a:defRPr/>
             </a:lvl1pPr>
-            <a:lvl2pPr lvl="1">
+            <a:lvl2pPr lvl="1" rtl="0">
               <a:spcBef>
                 <a:spcPts val="0"/>
               </a:spcBef>
@@ -2344,7 +2444,7 @@
               <a:buNone/>
               <a:defRPr/>
             </a:lvl2pPr>
-            <a:lvl3pPr lvl="2">
+            <a:lvl3pPr lvl="2" rtl="0">
               <a:spcBef>
                 <a:spcPts val="0"/>
               </a:spcBef>
@@ -2355,7 +2455,7 @@
               <a:buNone/>
               <a:defRPr/>
             </a:lvl3pPr>
-            <a:lvl4pPr lvl="3">
+            <a:lvl4pPr lvl="3" rtl="0">
               <a:spcBef>
                 <a:spcPts val="0"/>
               </a:spcBef>
@@ -2366,7 +2466,7 @@
               <a:buNone/>
               <a:defRPr/>
             </a:lvl4pPr>
-            <a:lvl5pPr lvl="4">
+            <a:lvl5pPr lvl="4" rtl="0">
               <a:spcBef>
                 <a:spcPts val="0"/>
               </a:spcBef>
@@ -2377,7 +2477,7 @@
               <a:buNone/>
               <a:defRPr/>
             </a:lvl5pPr>
-            <a:lvl6pPr lvl="5">
+            <a:lvl6pPr lvl="5" rtl="0">
               <a:spcBef>
                 <a:spcPts val="0"/>
               </a:spcBef>
@@ -2388,7 +2488,7 @@
               <a:buNone/>
               <a:defRPr/>
             </a:lvl6pPr>
-            <a:lvl7pPr lvl="6">
+            <a:lvl7pPr lvl="6" rtl="0">
               <a:spcBef>
                 <a:spcPts val="0"/>
               </a:spcBef>
@@ -2399,7 +2499,7 @@
               <a:buNone/>
               <a:defRPr/>
             </a:lvl7pPr>
-            <a:lvl8pPr lvl="7">
+            <a:lvl8pPr lvl="7" rtl="0">
               <a:spcBef>
                 <a:spcPts val="0"/>
               </a:spcBef>
@@ -2410,7 +2510,7 @@
               <a:buNone/>
               <a:defRPr/>
             </a:lvl8pPr>
-            <a:lvl9pPr lvl="8">
+            <a:lvl9pPr lvl="8" rtl="0">
               <a:spcBef>
                 <a:spcPts val="0"/>
               </a:spcBef>
@@ -2445,7 +2545,7 @@
         <p:txBody>
           <a:bodyPr anchorCtr="0" anchor="t" bIns="91425" lIns="91425" spcFirstLastPara="1" rIns="91425" wrap="square" tIns="91425"/>
           <a:lstStyle>
-            <a:lvl1pPr indent="-317500" lvl="0" marL="457200">
+            <a:lvl1pPr indent="-317500" lvl="0" marL="457200" rtl="0">
               <a:spcBef>
                 <a:spcPts val="0"/>
               </a:spcBef>
@@ -2456,7 +2556,7 @@
               <a:buChar char="●"/>
               <a:defRPr sz="1400"/>
             </a:lvl1pPr>
-            <a:lvl2pPr indent="-304800" lvl="1" marL="914400">
+            <a:lvl2pPr indent="-304800" lvl="1" marL="914400" rtl="0">
               <a:spcBef>
                 <a:spcPts val="1600"/>
               </a:spcBef>
@@ -2467,7 +2567,7 @@
               <a:buChar char="○"/>
               <a:defRPr sz="1200"/>
             </a:lvl2pPr>
-            <a:lvl3pPr indent="-304800" lvl="2" marL="1371600">
+            <a:lvl3pPr indent="-304800" lvl="2" marL="1371600" rtl="0">
               <a:spcBef>
                 <a:spcPts val="1600"/>
               </a:spcBef>
@@ -2478,7 +2578,7 @@
               <a:buChar char="■"/>
               <a:defRPr sz="1200"/>
             </a:lvl3pPr>
-            <a:lvl4pPr indent="-304800" lvl="3" marL="1828800">
+            <a:lvl4pPr indent="-304800" lvl="3" marL="1828800" rtl="0">
               <a:spcBef>
                 <a:spcPts val="1600"/>
               </a:spcBef>
@@ -2489,7 +2589,7 @@
               <a:buChar char="●"/>
               <a:defRPr sz="1200"/>
             </a:lvl4pPr>
-            <a:lvl5pPr indent="-304800" lvl="4" marL="2286000">
+            <a:lvl5pPr indent="-304800" lvl="4" marL="2286000" rtl="0">
               <a:spcBef>
                 <a:spcPts val="1600"/>
               </a:spcBef>
@@ -2500,7 +2600,7 @@
               <a:buChar char="○"/>
               <a:defRPr sz="1200"/>
             </a:lvl5pPr>
-            <a:lvl6pPr indent="-304800" lvl="5" marL="2743200">
+            <a:lvl6pPr indent="-304800" lvl="5" marL="2743200" rtl="0">
               <a:spcBef>
                 <a:spcPts val="1600"/>
               </a:spcBef>
@@ -2511,7 +2611,7 @@
               <a:buChar char="■"/>
               <a:defRPr sz="1200"/>
             </a:lvl6pPr>
-            <a:lvl7pPr indent="-304800" lvl="6" marL="3200400">
+            <a:lvl7pPr indent="-304800" lvl="6" marL="3200400" rtl="0">
               <a:spcBef>
                 <a:spcPts val="1600"/>
               </a:spcBef>
@@ -2522,7 +2622,7 @@
               <a:buChar char="●"/>
               <a:defRPr sz="1200"/>
             </a:lvl7pPr>
-            <a:lvl8pPr indent="-304800" lvl="7" marL="3657600">
+            <a:lvl8pPr indent="-304800" lvl="7" marL="3657600" rtl="0">
               <a:spcBef>
                 <a:spcPts val="1600"/>
               </a:spcBef>
@@ -2533,7 +2633,7 @@
               <a:buChar char="○"/>
               <a:defRPr sz="1200"/>
             </a:lvl8pPr>
-            <a:lvl9pPr indent="-304800" lvl="8" marL="4114800">
+            <a:lvl9pPr indent="-304800" lvl="8" marL="4114800" rtl="0">
               <a:spcBef>
                 <a:spcPts val="1600"/>
               </a:spcBef>
@@ -2568,7 +2668,7 @@
         <p:txBody>
           <a:bodyPr anchorCtr="0" anchor="t" bIns="91425" lIns="91425" spcFirstLastPara="1" rIns="91425" wrap="square" tIns="91425"/>
           <a:lstStyle>
-            <a:lvl1pPr indent="-317500" lvl="0" marL="457200">
+            <a:lvl1pPr indent="-317500" lvl="0" marL="457200" rtl="0">
               <a:spcBef>
                 <a:spcPts val="0"/>
               </a:spcBef>
@@ -2579,7 +2679,7 @@
               <a:buChar char="●"/>
               <a:defRPr sz="1400"/>
             </a:lvl1pPr>
-            <a:lvl2pPr indent="-304800" lvl="1" marL="914400">
+            <a:lvl2pPr indent="-304800" lvl="1" marL="914400" rtl="0">
               <a:spcBef>
                 <a:spcPts val="1600"/>
               </a:spcBef>
@@ -2590,7 +2690,7 @@
               <a:buChar char="○"/>
               <a:defRPr sz="1200"/>
             </a:lvl2pPr>
-            <a:lvl3pPr indent="-304800" lvl="2" marL="1371600">
+            <a:lvl3pPr indent="-304800" lvl="2" marL="1371600" rtl="0">
               <a:spcBef>
                 <a:spcPts val="1600"/>
               </a:spcBef>
@@ -2601,7 +2701,7 @@
               <a:buChar char="■"/>
               <a:defRPr sz="1200"/>
             </a:lvl3pPr>
-            <a:lvl4pPr indent="-304800" lvl="3" marL="1828800">
+            <a:lvl4pPr indent="-304800" lvl="3" marL="1828800" rtl="0">
               <a:spcBef>
                 <a:spcPts val="1600"/>
               </a:spcBef>
@@ -2612,7 +2712,7 @@
               <a:buChar char="●"/>
               <a:defRPr sz="1200"/>
             </a:lvl4pPr>
-            <a:lvl5pPr indent="-304800" lvl="4" marL="2286000">
+            <a:lvl5pPr indent="-304800" lvl="4" marL="2286000" rtl="0">
               <a:spcBef>
                 <a:spcPts val="1600"/>
               </a:spcBef>
@@ -2623,7 +2723,7 @@
               <a:buChar char="○"/>
               <a:defRPr sz="1200"/>
             </a:lvl5pPr>
-            <a:lvl6pPr indent="-304800" lvl="5" marL="2743200">
+            <a:lvl6pPr indent="-304800" lvl="5" marL="2743200" rtl="0">
               <a:spcBef>
                 <a:spcPts val="1600"/>
               </a:spcBef>
@@ -2634,7 +2734,7 @@
               <a:buChar char="■"/>
               <a:defRPr sz="1200"/>
             </a:lvl6pPr>
-            <a:lvl7pPr indent="-304800" lvl="6" marL="3200400">
+            <a:lvl7pPr indent="-304800" lvl="6" marL="3200400" rtl="0">
               <a:spcBef>
                 <a:spcPts val="1600"/>
               </a:spcBef>
@@ -2645,7 +2745,7 @@
               <a:buChar char="●"/>
               <a:defRPr sz="1200"/>
             </a:lvl7pPr>
-            <a:lvl8pPr indent="-304800" lvl="7" marL="3657600">
+            <a:lvl8pPr indent="-304800" lvl="7" marL="3657600" rtl="0">
               <a:spcBef>
                 <a:spcPts val="1600"/>
               </a:spcBef>
@@ -2656,7 +2756,7 @@
               <a:buChar char="○"/>
               <a:defRPr sz="1200"/>
             </a:lvl8pPr>
-            <a:lvl9pPr indent="-304800" lvl="8" marL="4114800">
+            <a:lvl9pPr indent="-304800" lvl="8" marL="4114800" rtl="0">
               <a:spcBef>
                 <a:spcPts val="1600"/>
               </a:spcBef>
@@ -2693,39 +2793,39 @@
             <a:noAutofit/>
           </a:bodyPr>
           <a:lstStyle>
-            <a:lvl1pPr lvl="0">
+            <a:lvl1pPr lvl="0" rtl="0">
               <a:buNone/>
               <a:defRPr/>
             </a:lvl1pPr>
-            <a:lvl2pPr lvl="1">
+            <a:lvl2pPr lvl="1" rtl="0">
               <a:buNone/>
               <a:defRPr/>
             </a:lvl2pPr>
-            <a:lvl3pPr lvl="2">
+            <a:lvl3pPr lvl="2" rtl="0">
               <a:buNone/>
               <a:defRPr/>
             </a:lvl3pPr>
-            <a:lvl4pPr lvl="3">
+            <a:lvl4pPr lvl="3" rtl="0">
               <a:buNone/>
               <a:defRPr/>
             </a:lvl4pPr>
-            <a:lvl5pPr lvl="4">
+            <a:lvl5pPr lvl="4" rtl="0">
               <a:buNone/>
               <a:defRPr/>
             </a:lvl5pPr>
-            <a:lvl6pPr lvl="5">
+            <a:lvl6pPr lvl="5" rtl="0">
               <a:buNone/>
               <a:defRPr/>
             </a:lvl6pPr>
-            <a:lvl7pPr lvl="6">
+            <a:lvl7pPr lvl="6" rtl="0">
               <a:buNone/>
               <a:defRPr/>
             </a:lvl7pPr>
-            <a:lvl8pPr lvl="7">
+            <a:lvl8pPr lvl="7" rtl="0">
               <a:buNone/>
               <a:defRPr/>
             </a:lvl8pPr>
-            <a:lvl9pPr lvl="8">
+            <a:lvl9pPr lvl="8" rtl="0">
               <a:buNone/>
               <a:defRPr/>
             </a:lvl9pPr>
@@ -2793,7 +2893,7 @@
         <p:txBody>
           <a:bodyPr anchorCtr="0" anchor="t" bIns="91425" lIns="91425" spcFirstLastPara="1" rIns="91425" wrap="square" tIns="91425"/>
           <a:lstStyle>
-            <a:lvl1pPr lvl="0">
+            <a:lvl1pPr lvl="0" rtl="0">
               <a:spcBef>
                 <a:spcPts val="0"/>
               </a:spcBef>
@@ -2804,7 +2904,7 @@
               <a:buNone/>
               <a:defRPr/>
             </a:lvl1pPr>
-            <a:lvl2pPr lvl="1">
+            <a:lvl2pPr lvl="1" rtl="0">
               <a:spcBef>
                 <a:spcPts val="0"/>
               </a:spcBef>
@@ -2815,7 +2915,7 @@
               <a:buNone/>
               <a:defRPr/>
             </a:lvl2pPr>
-            <a:lvl3pPr lvl="2">
+            <a:lvl3pPr lvl="2" rtl="0">
               <a:spcBef>
                 <a:spcPts val="0"/>
               </a:spcBef>
@@ -2826,7 +2926,7 @@
               <a:buNone/>
               <a:defRPr/>
             </a:lvl3pPr>
-            <a:lvl4pPr lvl="3">
+            <a:lvl4pPr lvl="3" rtl="0">
               <a:spcBef>
                 <a:spcPts val="0"/>
               </a:spcBef>
@@ -2837,7 +2937,7 @@
               <a:buNone/>
               <a:defRPr/>
             </a:lvl4pPr>
-            <a:lvl5pPr lvl="4">
+            <a:lvl5pPr lvl="4" rtl="0">
               <a:spcBef>
                 <a:spcPts val="0"/>
               </a:spcBef>
@@ -2848,7 +2948,7 @@
               <a:buNone/>
               <a:defRPr/>
             </a:lvl5pPr>
-            <a:lvl6pPr lvl="5">
+            <a:lvl6pPr lvl="5" rtl="0">
               <a:spcBef>
                 <a:spcPts val="0"/>
               </a:spcBef>
@@ -2859,7 +2959,7 @@
               <a:buNone/>
               <a:defRPr/>
             </a:lvl6pPr>
-            <a:lvl7pPr lvl="6">
+            <a:lvl7pPr lvl="6" rtl="0">
               <a:spcBef>
                 <a:spcPts val="0"/>
               </a:spcBef>
@@ -2870,7 +2970,7 @@
               <a:buNone/>
               <a:defRPr/>
             </a:lvl7pPr>
-            <a:lvl8pPr lvl="7">
+            <a:lvl8pPr lvl="7" rtl="0">
               <a:spcBef>
                 <a:spcPts val="0"/>
               </a:spcBef>
@@ -2881,7 +2981,7 @@
               <a:buNone/>
               <a:defRPr/>
             </a:lvl8pPr>
-            <a:lvl9pPr lvl="8">
+            <a:lvl9pPr lvl="8" rtl="0">
               <a:spcBef>
                 <a:spcPts val="0"/>
               </a:spcBef>
@@ -2918,39 +3018,39 @@
             <a:noAutofit/>
           </a:bodyPr>
           <a:lstStyle>
-            <a:lvl1pPr lvl="0">
+            <a:lvl1pPr lvl="0" rtl="0">
               <a:buNone/>
               <a:defRPr/>
             </a:lvl1pPr>
-            <a:lvl2pPr lvl="1">
+            <a:lvl2pPr lvl="1" rtl="0">
               <a:buNone/>
               <a:defRPr/>
             </a:lvl2pPr>
-            <a:lvl3pPr lvl="2">
+            <a:lvl3pPr lvl="2" rtl="0">
               <a:buNone/>
               <a:defRPr/>
             </a:lvl3pPr>
-            <a:lvl4pPr lvl="3">
+            <a:lvl4pPr lvl="3" rtl="0">
               <a:buNone/>
               <a:defRPr/>
             </a:lvl4pPr>
-            <a:lvl5pPr lvl="4">
+            <a:lvl5pPr lvl="4" rtl="0">
               <a:buNone/>
               <a:defRPr/>
             </a:lvl5pPr>
-            <a:lvl6pPr lvl="5">
+            <a:lvl6pPr lvl="5" rtl="0">
               <a:buNone/>
               <a:defRPr/>
             </a:lvl6pPr>
-            <a:lvl7pPr lvl="6">
+            <a:lvl7pPr lvl="6" rtl="0">
               <a:buNone/>
               <a:defRPr/>
             </a:lvl7pPr>
-            <a:lvl8pPr lvl="7">
+            <a:lvl8pPr lvl="7" rtl="0">
               <a:buNone/>
               <a:defRPr/>
             </a:lvl8pPr>
-            <a:lvl9pPr lvl="8">
+            <a:lvl9pPr lvl="8" rtl="0">
               <a:buNone/>
               <a:defRPr/>
             </a:lvl9pPr>
@@ -3018,7 +3118,7 @@
         <p:txBody>
           <a:bodyPr anchorCtr="0" anchor="b" bIns="91425" lIns="91425" spcFirstLastPara="1" rIns="91425" wrap="square" tIns="91425"/>
           <a:lstStyle>
-            <a:lvl1pPr lvl="0">
+            <a:lvl1pPr lvl="0" rtl="0">
               <a:spcBef>
                 <a:spcPts val="0"/>
               </a:spcBef>
@@ -3029,7 +3129,7 @@
               <a:buNone/>
               <a:defRPr sz="2400"/>
             </a:lvl1pPr>
-            <a:lvl2pPr lvl="1">
+            <a:lvl2pPr lvl="1" rtl="0">
               <a:spcBef>
                 <a:spcPts val="0"/>
               </a:spcBef>
@@ -3040,7 +3140,7 @@
               <a:buNone/>
               <a:defRPr sz="2400"/>
             </a:lvl2pPr>
-            <a:lvl3pPr lvl="2">
+            <a:lvl3pPr lvl="2" rtl="0">
               <a:spcBef>
                 <a:spcPts val="0"/>
               </a:spcBef>
@@ -3051,7 +3151,7 @@
               <a:buNone/>
               <a:defRPr sz="2400"/>
             </a:lvl3pPr>
-            <a:lvl4pPr lvl="3">
+            <a:lvl4pPr lvl="3" rtl="0">
               <a:spcBef>
                 <a:spcPts val="0"/>
               </a:spcBef>
@@ -3062,7 +3162,7 @@
               <a:buNone/>
               <a:defRPr sz="2400"/>
             </a:lvl4pPr>
-            <a:lvl5pPr lvl="4">
+            <a:lvl5pPr lvl="4" rtl="0">
               <a:spcBef>
                 <a:spcPts val="0"/>
               </a:spcBef>
@@ -3073,7 +3173,7 @@
               <a:buNone/>
               <a:defRPr sz="2400"/>
             </a:lvl5pPr>
-            <a:lvl6pPr lvl="5">
+            <a:lvl6pPr lvl="5" rtl="0">
               <a:spcBef>
                 <a:spcPts val="0"/>
               </a:spcBef>
@@ -3084,7 +3184,7 @@
               <a:buNone/>
               <a:defRPr sz="2400"/>
             </a:lvl6pPr>
-            <a:lvl7pPr lvl="6">
+            <a:lvl7pPr lvl="6" rtl="0">
               <a:spcBef>
                 <a:spcPts val="0"/>
               </a:spcBef>
@@ -3095,7 +3195,7 @@
               <a:buNone/>
               <a:defRPr sz="2400"/>
             </a:lvl7pPr>
-            <a:lvl8pPr lvl="7">
+            <a:lvl8pPr lvl="7" rtl="0">
               <a:spcBef>
                 <a:spcPts val="0"/>
               </a:spcBef>
@@ -3106,7 +3206,7 @@
               <a:buNone/>
               <a:defRPr sz="2400"/>
             </a:lvl8pPr>
-            <a:lvl9pPr lvl="8">
+            <a:lvl9pPr lvl="8" rtl="0">
               <a:spcBef>
                 <a:spcPts val="0"/>
               </a:spcBef>
@@ -3141,7 +3241,7 @@
         <p:txBody>
           <a:bodyPr anchorCtr="0" anchor="t" bIns="91425" lIns="91425" spcFirstLastPara="1" rIns="91425" wrap="square" tIns="91425"/>
           <a:lstStyle>
-            <a:lvl1pPr indent="-304800" lvl="0" marL="457200">
+            <a:lvl1pPr indent="-304800" lvl="0" marL="457200" rtl="0">
               <a:spcBef>
                 <a:spcPts val="0"/>
               </a:spcBef>
@@ -3152,7 +3252,7 @@
               <a:buChar char="●"/>
               <a:defRPr sz="1200"/>
             </a:lvl1pPr>
-            <a:lvl2pPr indent="-304800" lvl="1" marL="914400">
+            <a:lvl2pPr indent="-304800" lvl="1" marL="914400" rtl="0">
               <a:spcBef>
                 <a:spcPts val="1600"/>
               </a:spcBef>
@@ -3163,7 +3263,7 @@
               <a:buChar char="○"/>
               <a:defRPr sz="1200"/>
             </a:lvl2pPr>
-            <a:lvl3pPr indent="-304800" lvl="2" marL="1371600">
+            <a:lvl3pPr indent="-304800" lvl="2" marL="1371600" rtl="0">
               <a:spcBef>
                 <a:spcPts val="1600"/>
               </a:spcBef>
@@ -3174,7 +3274,7 @@
               <a:buChar char="■"/>
               <a:defRPr sz="1200"/>
             </a:lvl3pPr>
-            <a:lvl4pPr indent="-304800" lvl="3" marL="1828800">
+            <a:lvl4pPr indent="-304800" lvl="3" marL="1828800" rtl="0">
               <a:spcBef>
                 <a:spcPts val="1600"/>
               </a:spcBef>
@@ -3185,7 +3285,7 @@
               <a:buChar char="●"/>
               <a:defRPr sz="1200"/>
             </a:lvl4pPr>
-            <a:lvl5pPr indent="-304800" lvl="4" marL="2286000">
+            <a:lvl5pPr indent="-304800" lvl="4" marL="2286000" rtl="0">
               <a:spcBef>
                 <a:spcPts val="1600"/>
               </a:spcBef>
@@ -3196,7 +3296,7 @@
               <a:buChar char="○"/>
               <a:defRPr sz="1200"/>
             </a:lvl5pPr>
-            <a:lvl6pPr indent="-304800" lvl="5" marL="2743200">
+            <a:lvl6pPr indent="-304800" lvl="5" marL="2743200" rtl="0">
               <a:spcBef>
                 <a:spcPts val="1600"/>
               </a:spcBef>
@@ -3207,7 +3307,7 @@
               <a:buChar char="■"/>
               <a:defRPr sz="1200"/>
             </a:lvl6pPr>
-            <a:lvl7pPr indent="-304800" lvl="6" marL="3200400">
+            <a:lvl7pPr indent="-304800" lvl="6" marL="3200400" rtl="0">
               <a:spcBef>
                 <a:spcPts val="1600"/>
               </a:spcBef>
@@ -3218,7 +3318,7 @@
               <a:buChar char="●"/>
               <a:defRPr sz="1200"/>
             </a:lvl7pPr>
-            <a:lvl8pPr indent="-304800" lvl="7" marL="3657600">
+            <a:lvl8pPr indent="-304800" lvl="7" marL="3657600" rtl="0">
               <a:spcBef>
                 <a:spcPts val="1600"/>
               </a:spcBef>
@@ -3229,7 +3329,7 @@
               <a:buChar char="○"/>
               <a:defRPr sz="1200"/>
             </a:lvl8pPr>
-            <a:lvl9pPr indent="-304800" lvl="8" marL="4114800">
+            <a:lvl9pPr indent="-304800" lvl="8" marL="4114800" rtl="0">
               <a:spcBef>
                 <a:spcPts val="1600"/>
               </a:spcBef>
@@ -3266,39 +3366,39 @@
             <a:noAutofit/>
           </a:bodyPr>
           <a:lstStyle>
-            <a:lvl1pPr lvl="0">
+            <a:lvl1pPr lvl="0" rtl="0">
               <a:buNone/>
               <a:defRPr/>
             </a:lvl1pPr>
-            <a:lvl2pPr lvl="1">
+            <a:lvl2pPr lvl="1" rtl="0">
               <a:buNone/>
               <a:defRPr/>
             </a:lvl2pPr>
-            <a:lvl3pPr lvl="2">
+            <a:lvl3pPr lvl="2" rtl="0">
               <a:buNone/>
               <a:defRPr/>
             </a:lvl3pPr>
-            <a:lvl4pPr lvl="3">
+            <a:lvl4pPr lvl="3" rtl="0">
               <a:buNone/>
               <a:defRPr/>
             </a:lvl4pPr>
-            <a:lvl5pPr lvl="4">
+            <a:lvl5pPr lvl="4" rtl="0">
               <a:buNone/>
               <a:defRPr/>
             </a:lvl5pPr>
-            <a:lvl6pPr lvl="5">
+            <a:lvl6pPr lvl="5" rtl="0">
               <a:buNone/>
               <a:defRPr/>
             </a:lvl6pPr>
-            <a:lvl7pPr lvl="6">
+            <a:lvl7pPr lvl="6" rtl="0">
               <a:buNone/>
               <a:defRPr/>
             </a:lvl7pPr>
-            <a:lvl8pPr lvl="7">
+            <a:lvl8pPr lvl="7" rtl="0">
               <a:buNone/>
               <a:defRPr/>
             </a:lvl8pPr>
-            <a:lvl9pPr lvl="8">
+            <a:lvl9pPr lvl="8" rtl="0">
               <a:buNone/>
               <a:defRPr/>
             </a:lvl9pPr>
@@ -3366,7 +3466,7 @@
         <p:txBody>
           <a:bodyPr anchorCtr="0" anchor="ctr" bIns="91425" lIns="91425" spcFirstLastPara="1" rIns="91425" wrap="square" tIns="91425"/>
           <a:lstStyle>
-            <a:lvl1pPr lvl="0">
+            <a:lvl1pPr lvl="0" rtl="0">
               <a:spcBef>
                 <a:spcPts val="0"/>
               </a:spcBef>
@@ -3377,7 +3477,7 @@
               <a:buNone/>
               <a:defRPr sz="4800"/>
             </a:lvl1pPr>
-            <a:lvl2pPr lvl="1">
+            <a:lvl2pPr lvl="1" rtl="0">
               <a:spcBef>
                 <a:spcPts val="0"/>
               </a:spcBef>
@@ -3388,7 +3488,7 @@
               <a:buNone/>
               <a:defRPr sz="4800"/>
             </a:lvl2pPr>
-            <a:lvl3pPr lvl="2">
+            <a:lvl3pPr lvl="2" rtl="0">
               <a:spcBef>
                 <a:spcPts val="0"/>
               </a:spcBef>
@@ -3399,7 +3499,7 @@
               <a:buNone/>
               <a:defRPr sz="4800"/>
             </a:lvl3pPr>
-            <a:lvl4pPr lvl="3">
+            <a:lvl4pPr lvl="3" rtl="0">
               <a:spcBef>
                 <a:spcPts val="0"/>
               </a:spcBef>
@@ -3410,7 +3510,7 @@
               <a:buNone/>
               <a:defRPr sz="4800"/>
             </a:lvl4pPr>
-            <a:lvl5pPr lvl="4">
+            <a:lvl5pPr lvl="4" rtl="0">
               <a:spcBef>
                 <a:spcPts val="0"/>
               </a:spcBef>
@@ -3421,7 +3521,7 @@
               <a:buNone/>
               <a:defRPr sz="4800"/>
             </a:lvl5pPr>
-            <a:lvl6pPr lvl="5">
+            <a:lvl6pPr lvl="5" rtl="0">
               <a:spcBef>
                 <a:spcPts val="0"/>
               </a:spcBef>
@@ -3432,7 +3532,7 @@
               <a:buNone/>
               <a:defRPr sz="4800"/>
             </a:lvl6pPr>
-            <a:lvl7pPr lvl="6">
+            <a:lvl7pPr lvl="6" rtl="0">
               <a:spcBef>
                 <a:spcPts val="0"/>
               </a:spcBef>
@@ -3443,7 +3543,7 @@
               <a:buNone/>
               <a:defRPr sz="4800"/>
             </a:lvl7pPr>
-            <a:lvl8pPr lvl="7">
+            <a:lvl8pPr lvl="7" rtl="0">
               <a:spcBef>
                 <a:spcPts val="0"/>
               </a:spcBef>
@@ -3454,7 +3554,7 @@
               <a:buNone/>
               <a:defRPr sz="4800"/>
             </a:lvl8pPr>
-            <a:lvl9pPr lvl="8">
+            <a:lvl9pPr lvl="8" rtl="0">
               <a:spcBef>
                 <a:spcPts val="0"/>
               </a:spcBef>
@@ -3491,39 +3591,39 @@
             <a:noAutofit/>
           </a:bodyPr>
           <a:lstStyle>
-            <a:lvl1pPr lvl="0">
+            <a:lvl1pPr lvl="0" rtl="0">
               <a:buNone/>
               <a:defRPr/>
             </a:lvl1pPr>
-            <a:lvl2pPr lvl="1">
+            <a:lvl2pPr lvl="1" rtl="0">
               <a:buNone/>
               <a:defRPr/>
             </a:lvl2pPr>
-            <a:lvl3pPr lvl="2">
+            <a:lvl3pPr lvl="2" rtl="0">
               <a:buNone/>
               <a:defRPr/>
             </a:lvl3pPr>
-            <a:lvl4pPr lvl="3">
+            <a:lvl4pPr lvl="3" rtl="0">
               <a:buNone/>
               <a:defRPr/>
             </a:lvl4pPr>
-            <a:lvl5pPr lvl="4">
+            <a:lvl5pPr lvl="4" rtl="0">
               <a:buNone/>
               <a:defRPr/>
             </a:lvl5pPr>
-            <a:lvl6pPr lvl="5">
+            <a:lvl6pPr lvl="5" rtl="0">
               <a:buNone/>
               <a:defRPr/>
             </a:lvl6pPr>
-            <a:lvl7pPr lvl="6">
+            <a:lvl7pPr lvl="6" rtl="0">
               <a:buNone/>
               <a:defRPr/>
             </a:lvl7pPr>
-            <a:lvl8pPr lvl="7">
+            <a:lvl8pPr lvl="7" rtl="0">
               <a:buNone/>
               <a:defRPr/>
             </a:lvl8pPr>
-            <a:lvl9pPr lvl="8">
+            <a:lvl9pPr lvl="8" rtl="0">
               <a:buNone/>
               <a:defRPr/>
             </a:lvl9pPr>
@@ -3634,7 +3734,7 @@
         <p:txBody>
           <a:bodyPr anchorCtr="0" anchor="b" bIns="91425" lIns="91425" spcFirstLastPara="1" rIns="91425" wrap="square" tIns="91425"/>
           <a:lstStyle>
-            <a:lvl1pPr lvl="0" algn="ctr">
+            <a:lvl1pPr lvl="0" rtl="0" algn="ctr">
               <a:spcBef>
                 <a:spcPts val="0"/>
               </a:spcBef>
@@ -3645,7 +3745,7 @@
               <a:buNone/>
               <a:defRPr sz="4200"/>
             </a:lvl1pPr>
-            <a:lvl2pPr lvl="1" algn="ctr">
+            <a:lvl2pPr lvl="1" rtl="0" algn="ctr">
               <a:spcBef>
                 <a:spcPts val="0"/>
               </a:spcBef>
@@ -3656,7 +3756,7 @@
               <a:buNone/>
               <a:defRPr sz="4200"/>
             </a:lvl2pPr>
-            <a:lvl3pPr lvl="2" algn="ctr">
+            <a:lvl3pPr lvl="2" rtl="0" algn="ctr">
               <a:spcBef>
                 <a:spcPts val="0"/>
               </a:spcBef>
@@ -3667,7 +3767,7 @@
               <a:buNone/>
               <a:defRPr sz="4200"/>
             </a:lvl3pPr>
-            <a:lvl4pPr lvl="3" algn="ctr">
+            <a:lvl4pPr lvl="3" rtl="0" algn="ctr">
               <a:spcBef>
                 <a:spcPts val="0"/>
               </a:spcBef>
@@ -3678,7 +3778,7 @@
               <a:buNone/>
               <a:defRPr sz="4200"/>
             </a:lvl4pPr>
-            <a:lvl5pPr lvl="4" algn="ctr">
+            <a:lvl5pPr lvl="4" rtl="0" algn="ctr">
               <a:spcBef>
                 <a:spcPts val="0"/>
               </a:spcBef>
@@ -3689,7 +3789,7 @@
               <a:buNone/>
               <a:defRPr sz="4200"/>
             </a:lvl5pPr>
-            <a:lvl6pPr lvl="5" algn="ctr">
+            <a:lvl6pPr lvl="5" rtl="0" algn="ctr">
               <a:spcBef>
                 <a:spcPts val="0"/>
               </a:spcBef>
@@ -3700,7 +3800,7 @@
               <a:buNone/>
               <a:defRPr sz="4200"/>
             </a:lvl6pPr>
-            <a:lvl7pPr lvl="6" algn="ctr">
+            <a:lvl7pPr lvl="6" rtl="0" algn="ctr">
               <a:spcBef>
                 <a:spcPts val="0"/>
               </a:spcBef>
@@ -3711,7 +3811,7 @@
               <a:buNone/>
               <a:defRPr sz="4200"/>
             </a:lvl7pPr>
-            <a:lvl8pPr lvl="7" algn="ctr">
+            <a:lvl8pPr lvl="7" rtl="0" algn="ctr">
               <a:spcBef>
                 <a:spcPts val="0"/>
               </a:spcBef>
@@ -3722,7 +3822,7 @@
               <a:buNone/>
               <a:defRPr sz="4200"/>
             </a:lvl8pPr>
-            <a:lvl9pPr lvl="8" algn="ctr">
+            <a:lvl9pPr lvl="8" rtl="0" algn="ctr">
               <a:spcBef>
                 <a:spcPts val="0"/>
               </a:spcBef>
@@ -3757,7 +3857,7 @@
         <p:txBody>
           <a:bodyPr anchorCtr="0" anchor="t" bIns="91425" lIns="91425" spcFirstLastPara="1" rIns="91425" wrap="square" tIns="91425"/>
           <a:lstStyle>
-            <a:lvl1pPr lvl="0" algn="ctr">
+            <a:lvl1pPr lvl="0" rtl="0" algn="ctr">
               <a:lnSpc>
                 <a:spcPct val="100000"/>
               </a:lnSpc>
@@ -3771,7 +3871,7 @@
               <a:buNone/>
               <a:defRPr sz="2100"/>
             </a:lvl1pPr>
-            <a:lvl2pPr lvl="1" algn="ctr">
+            <a:lvl2pPr lvl="1" rtl="0" algn="ctr">
               <a:lnSpc>
                 <a:spcPct val="100000"/>
               </a:lnSpc>
@@ -3785,7 +3885,7 @@
               <a:buNone/>
               <a:defRPr sz="2100"/>
             </a:lvl2pPr>
-            <a:lvl3pPr lvl="2" algn="ctr">
+            <a:lvl3pPr lvl="2" rtl="0" algn="ctr">
               <a:lnSpc>
                 <a:spcPct val="100000"/>
               </a:lnSpc>
@@ -3799,7 +3899,7 @@
               <a:buNone/>
               <a:defRPr sz="2100"/>
             </a:lvl3pPr>
-            <a:lvl4pPr lvl="3" algn="ctr">
+            <a:lvl4pPr lvl="3" rtl="0" algn="ctr">
               <a:lnSpc>
                 <a:spcPct val="100000"/>
               </a:lnSpc>
@@ -3813,7 +3913,7 @@
               <a:buNone/>
               <a:defRPr sz="2100"/>
             </a:lvl4pPr>
-            <a:lvl5pPr lvl="4" algn="ctr">
+            <a:lvl5pPr lvl="4" rtl="0" algn="ctr">
               <a:lnSpc>
                 <a:spcPct val="100000"/>
               </a:lnSpc>
@@ -3827,7 +3927,7 @@
               <a:buNone/>
               <a:defRPr sz="2100"/>
             </a:lvl5pPr>
-            <a:lvl6pPr lvl="5" algn="ctr">
+            <a:lvl6pPr lvl="5" rtl="0" algn="ctr">
               <a:lnSpc>
                 <a:spcPct val="100000"/>
               </a:lnSpc>
@@ -3841,7 +3941,7 @@
               <a:buNone/>
               <a:defRPr sz="2100"/>
             </a:lvl6pPr>
-            <a:lvl7pPr lvl="6" algn="ctr">
+            <a:lvl7pPr lvl="6" rtl="0" algn="ctr">
               <a:lnSpc>
                 <a:spcPct val="100000"/>
               </a:lnSpc>
@@ -3855,7 +3955,7 @@
               <a:buNone/>
               <a:defRPr sz="2100"/>
             </a:lvl7pPr>
-            <a:lvl8pPr lvl="7" algn="ctr">
+            <a:lvl8pPr lvl="7" rtl="0" algn="ctr">
               <a:lnSpc>
                 <a:spcPct val="100000"/>
               </a:lnSpc>
@@ -3869,7 +3969,7 @@
               <a:buNone/>
               <a:defRPr sz="2100"/>
             </a:lvl8pPr>
-            <a:lvl9pPr lvl="8" algn="ctr">
+            <a:lvl9pPr lvl="8" rtl="0" algn="ctr">
               <a:lnSpc>
                 <a:spcPct val="100000"/>
               </a:lnSpc>
@@ -3907,7 +4007,7 @@
         <p:txBody>
           <a:bodyPr anchorCtr="0" anchor="ctr" bIns="91425" lIns="91425" spcFirstLastPara="1" rIns="91425" wrap="square" tIns="91425"/>
           <a:lstStyle>
-            <a:lvl1pPr indent="-342900" lvl="0" marL="457200">
+            <a:lvl1pPr indent="-342900" lvl="0" marL="457200" rtl="0">
               <a:spcBef>
                 <a:spcPts val="0"/>
               </a:spcBef>
@@ -3925,7 +4025,7 @@
                 </a:solidFill>
               </a:defRPr>
             </a:lvl1pPr>
-            <a:lvl2pPr indent="-317500" lvl="1" marL="914400">
+            <a:lvl2pPr indent="-317500" lvl="1" marL="914400" rtl="0">
               <a:spcBef>
                 <a:spcPts val="1600"/>
               </a:spcBef>
@@ -3943,7 +4043,7 @@
                 </a:solidFill>
               </a:defRPr>
             </a:lvl2pPr>
-            <a:lvl3pPr indent="-317500" lvl="2" marL="1371600">
+            <a:lvl3pPr indent="-317500" lvl="2" marL="1371600" rtl="0">
               <a:spcBef>
                 <a:spcPts val="1600"/>
               </a:spcBef>
@@ -3961,7 +4061,7 @@
                 </a:solidFill>
               </a:defRPr>
             </a:lvl3pPr>
-            <a:lvl4pPr indent="-317500" lvl="3" marL="1828800">
+            <a:lvl4pPr indent="-317500" lvl="3" marL="1828800" rtl="0">
               <a:spcBef>
                 <a:spcPts val="1600"/>
               </a:spcBef>
@@ -3979,7 +4079,7 @@
                 </a:solidFill>
               </a:defRPr>
             </a:lvl4pPr>
-            <a:lvl5pPr indent="-317500" lvl="4" marL="2286000">
+            <a:lvl5pPr indent="-317500" lvl="4" marL="2286000" rtl="0">
               <a:spcBef>
                 <a:spcPts val="1600"/>
               </a:spcBef>
@@ -3997,7 +4097,7 @@
                 </a:solidFill>
               </a:defRPr>
             </a:lvl5pPr>
-            <a:lvl6pPr indent="-317500" lvl="5" marL="2743200">
+            <a:lvl6pPr indent="-317500" lvl="5" marL="2743200" rtl="0">
               <a:spcBef>
                 <a:spcPts val="1600"/>
               </a:spcBef>
@@ -4015,7 +4115,7 @@
                 </a:solidFill>
               </a:defRPr>
             </a:lvl6pPr>
-            <a:lvl7pPr indent="-317500" lvl="6" marL="3200400">
+            <a:lvl7pPr indent="-317500" lvl="6" marL="3200400" rtl="0">
               <a:spcBef>
                 <a:spcPts val="1600"/>
               </a:spcBef>
@@ -4033,7 +4133,7 @@
                 </a:solidFill>
               </a:defRPr>
             </a:lvl7pPr>
-            <a:lvl8pPr indent="-317500" lvl="7" marL="3657600">
+            <a:lvl8pPr indent="-317500" lvl="7" marL="3657600" rtl="0">
               <a:spcBef>
                 <a:spcPts val="1600"/>
               </a:spcBef>
@@ -4051,7 +4151,7 @@
                 </a:solidFill>
               </a:defRPr>
             </a:lvl8pPr>
-            <a:lvl9pPr indent="-317500" lvl="8" marL="4114800">
+            <a:lvl9pPr indent="-317500" lvl="8" marL="4114800" rtl="0">
               <a:spcBef>
                 <a:spcPts val="1600"/>
               </a:spcBef>
@@ -4095,39 +4195,39 @@
             <a:noAutofit/>
           </a:bodyPr>
           <a:lstStyle>
-            <a:lvl1pPr lvl="0">
+            <a:lvl1pPr lvl="0" rtl="0">
               <a:buNone/>
               <a:defRPr/>
             </a:lvl1pPr>
-            <a:lvl2pPr lvl="1">
+            <a:lvl2pPr lvl="1" rtl="0">
               <a:buNone/>
               <a:defRPr/>
             </a:lvl2pPr>
-            <a:lvl3pPr lvl="2">
+            <a:lvl3pPr lvl="2" rtl="0">
               <a:buNone/>
               <a:defRPr/>
             </a:lvl3pPr>
-            <a:lvl4pPr lvl="3">
+            <a:lvl4pPr lvl="3" rtl="0">
               <a:buNone/>
               <a:defRPr/>
             </a:lvl4pPr>
-            <a:lvl5pPr lvl="4">
+            <a:lvl5pPr lvl="4" rtl="0">
               <a:buNone/>
               <a:defRPr/>
             </a:lvl5pPr>
-            <a:lvl6pPr lvl="5">
+            <a:lvl6pPr lvl="5" rtl="0">
               <a:buNone/>
               <a:defRPr/>
             </a:lvl6pPr>
-            <a:lvl7pPr lvl="6">
+            <a:lvl7pPr lvl="6" rtl="0">
               <a:buNone/>
               <a:defRPr/>
             </a:lvl7pPr>
-            <a:lvl8pPr lvl="7">
+            <a:lvl8pPr lvl="7" rtl="0">
               <a:buNone/>
               <a:defRPr/>
             </a:lvl8pPr>
-            <a:lvl9pPr lvl="8">
+            <a:lvl9pPr lvl="8" rtl="0">
               <a:buNone/>
               <a:defRPr/>
             </a:lvl9pPr>
@@ -4195,7 +4295,7 @@
         <p:txBody>
           <a:bodyPr anchorCtr="0" anchor="ctr" bIns="91425" lIns="91425" spcFirstLastPara="1" rIns="91425" wrap="square" tIns="91425"/>
           <a:lstStyle>
-            <a:lvl1pPr indent="-228600" lvl="0" marL="457200">
+            <a:lvl1pPr indent="-228600" lvl="0" marL="457200" rtl="0">
               <a:lnSpc>
                 <a:spcPct val="100000"/>
               </a:lnSpc>
@@ -4235,39 +4335,39 @@
             <a:noAutofit/>
           </a:bodyPr>
           <a:lstStyle>
-            <a:lvl1pPr lvl="0">
+            <a:lvl1pPr lvl="0" rtl="0">
               <a:buNone/>
               <a:defRPr/>
             </a:lvl1pPr>
-            <a:lvl2pPr lvl="1">
+            <a:lvl2pPr lvl="1" rtl="0">
               <a:buNone/>
               <a:defRPr/>
             </a:lvl2pPr>
-            <a:lvl3pPr lvl="2">
+            <a:lvl3pPr lvl="2" rtl="0">
               <a:buNone/>
               <a:defRPr/>
             </a:lvl3pPr>
-            <a:lvl4pPr lvl="3">
+            <a:lvl4pPr lvl="3" rtl="0">
               <a:buNone/>
               <a:defRPr/>
             </a:lvl4pPr>
-            <a:lvl5pPr lvl="4">
+            <a:lvl5pPr lvl="4" rtl="0">
               <a:buNone/>
               <a:defRPr/>
             </a:lvl5pPr>
-            <a:lvl6pPr lvl="5">
+            <a:lvl6pPr lvl="5" rtl="0">
               <a:buNone/>
               <a:defRPr/>
             </a:lvl6pPr>
-            <a:lvl7pPr lvl="6">
+            <a:lvl7pPr lvl="6" rtl="0">
               <a:buNone/>
               <a:defRPr/>
             </a:lvl7pPr>
-            <a:lvl8pPr lvl="7">
+            <a:lvl8pPr lvl="7" rtl="0">
               <a:buNone/>
               <a:defRPr/>
             </a:lvl8pPr>
-            <a:lvl9pPr lvl="8">
+            <a:lvl9pPr lvl="8" rtl="0">
               <a:buNone/>
               <a:defRPr/>
             </a:lvl9pPr>
@@ -4346,7 +4446,7 @@
         <p:txBody>
           <a:bodyPr anchorCtr="0" anchor="t" bIns="91425" lIns="91425" spcFirstLastPara="1" rIns="91425" wrap="square" tIns="91425"/>
           <a:lstStyle>
-            <a:lvl1pPr lvl="0">
+            <a:lvl1pPr lvl="0" rtl="0">
               <a:spcBef>
                 <a:spcPts val="0"/>
               </a:spcBef>
@@ -4364,7 +4464,7 @@
                 </a:solidFill>
               </a:defRPr>
             </a:lvl1pPr>
-            <a:lvl2pPr lvl="1">
+            <a:lvl2pPr lvl="1" rtl="0">
               <a:spcBef>
                 <a:spcPts val="0"/>
               </a:spcBef>
@@ -4382,7 +4482,7 @@
                 </a:solidFill>
               </a:defRPr>
             </a:lvl2pPr>
-            <a:lvl3pPr lvl="2">
+            <a:lvl3pPr lvl="2" rtl="0">
               <a:spcBef>
                 <a:spcPts val="0"/>
               </a:spcBef>
@@ -4400,7 +4500,7 @@
                 </a:solidFill>
               </a:defRPr>
             </a:lvl3pPr>
-            <a:lvl4pPr lvl="3">
+            <a:lvl4pPr lvl="3" rtl="0">
               <a:spcBef>
                 <a:spcPts val="0"/>
               </a:spcBef>
@@ -4418,7 +4518,7 @@
                 </a:solidFill>
               </a:defRPr>
             </a:lvl4pPr>
-            <a:lvl5pPr lvl="4">
+            <a:lvl5pPr lvl="4" rtl="0">
               <a:spcBef>
                 <a:spcPts val="0"/>
               </a:spcBef>
@@ -4436,7 +4536,7 @@
                 </a:solidFill>
               </a:defRPr>
             </a:lvl5pPr>
-            <a:lvl6pPr lvl="5">
+            <a:lvl6pPr lvl="5" rtl="0">
               <a:spcBef>
                 <a:spcPts val="0"/>
               </a:spcBef>
@@ -4454,7 +4554,7 @@
                 </a:solidFill>
               </a:defRPr>
             </a:lvl6pPr>
-            <a:lvl7pPr lvl="6">
+            <a:lvl7pPr lvl="6" rtl="0">
               <a:spcBef>
                 <a:spcPts val="0"/>
               </a:spcBef>
@@ -4472,7 +4572,7 @@
                 </a:solidFill>
               </a:defRPr>
             </a:lvl7pPr>
-            <a:lvl8pPr lvl="7">
+            <a:lvl8pPr lvl="7" rtl="0">
               <a:spcBef>
                 <a:spcPts val="0"/>
               </a:spcBef>
@@ -4490,7 +4590,7 @@
                 </a:solidFill>
               </a:defRPr>
             </a:lvl8pPr>
-            <a:lvl9pPr lvl="8">
+            <a:lvl9pPr lvl="8" rtl="0">
               <a:spcBef>
                 <a:spcPts val="0"/>
               </a:spcBef>
@@ -4536,7 +4636,7 @@
         <p:txBody>
           <a:bodyPr anchorCtr="0" anchor="t" bIns="91425" lIns="91425" spcFirstLastPara="1" rIns="91425" wrap="square" tIns="91425"/>
           <a:lstStyle>
-            <a:lvl1pPr indent="-342900" lvl="0" marL="457200">
+            <a:lvl1pPr indent="-342900" lvl="0" marL="457200" rtl="0">
               <a:lnSpc>
                 <a:spcPct val="115000"/>
               </a:lnSpc>
@@ -4557,7 +4657,7 @@
                 </a:solidFill>
               </a:defRPr>
             </a:lvl1pPr>
-            <a:lvl2pPr indent="-317500" lvl="1" marL="914400">
+            <a:lvl2pPr indent="-317500" lvl="1" marL="914400" rtl="0">
               <a:lnSpc>
                 <a:spcPct val="115000"/>
               </a:lnSpc>
@@ -4578,7 +4678,7 @@
                 </a:solidFill>
               </a:defRPr>
             </a:lvl2pPr>
-            <a:lvl3pPr indent="-317500" lvl="2" marL="1371600">
+            <a:lvl3pPr indent="-317500" lvl="2" marL="1371600" rtl="0">
               <a:lnSpc>
                 <a:spcPct val="115000"/>
               </a:lnSpc>
@@ -4599,7 +4699,7 @@
                 </a:solidFill>
               </a:defRPr>
             </a:lvl3pPr>
-            <a:lvl4pPr indent="-317500" lvl="3" marL="1828800">
+            <a:lvl4pPr indent="-317500" lvl="3" marL="1828800" rtl="0">
               <a:lnSpc>
                 <a:spcPct val="115000"/>
               </a:lnSpc>
@@ -4620,7 +4720,7 @@
                 </a:solidFill>
               </a:defRPr>
             </a:lvl4pPr>
-            <a:lvl5pPr indent="-317500" lvl="4" marL="2286000">
+            <a:lvl5pPr indent="-317500" lvl="4" marL="2286000" rtl="0">
               <a:lnSpc>
                 <a:spcPct val="115000"/>
               </a:lnSpc>
@@ -4641,7 +4741,7 @@
                 </a:solidFill>
               </a:defRPr>
             </a:lvl5pPr>
-            <a:lvl6pPr indent="-317500" lvl="5" marL="2743200">
+            <a:lvl6pPr indent="-317500" lvl="5" marL="2743200" rtl="0">
               <a:lnSpc>
                 <a:spcPct val="115000"/>
               </a:lnSpc>
@@ -4662,7 +4762,7 @@
                 </a:solidFill>
               </a:defRPr>
             </a:lvl6pPr>
-            <a:lvl7pPr indent="-317500" lvl="6" marL="3200400">
+            <a:lvl7pPr indent="-317500" lvl="6" marL="3200400" rtl="0">
               <a:lnSpc>
                 <a:spcPct val="115000"/>
               </a:lnSpc>
@@ -4683,7 +4783,7 @@
                 </a:solidFill>
               </a:defRPr>
             </a:lvl7pPr>
-            <a:lvl8pPr indent="-317500" lvl="7" marL="3657600">
+            <a:lvl8pPr indent="-317500" lvl="7" marL="3657600" rtl="0">
               <a:lnSpc>
                 <a:spcPct val="115000"/>
               </a:lnSpc>
@@ -4704,7 +4804,7 @@
                 </a:solidFill>
               </a:defRPr>
             </a:lvl8pPr>
-            <a:lvl9pPr indent="-317500" lvl="8" marL="4114800">
+            <a:lvl9pPr indent="-317500" lvl="8" marL="4114800" rtl="0">
               <a:lnSpc>
                 <a:spcPct val="115000"/>
               </a:lnSpc>
@@ -4755,7 +4855,7 @@
             <a:noAutofit/>
           </a:bodyPr>
           <a:lstStyle>
-            <a:lvl1pPr lvl="0" algn="r">
+            <a:lvl1pPr lvl="0" rtl="0" algn="r">
               <a:buNone/>
               <a:defRPr sz="1000">
                 <a:solidFill>
@@ -4763,7 +4863,7 @@
                 </a:solidFill>
               </a:defRPr>
             </a:lvl1pPr>
-            <a:lvl2pPr lvl="1" algn="r">
+            <a:lvl2pPr lvl="1" rtl="0" algn="r">
               <a:buNone/>
               <a:defRPr sz="1000">
                 <a:solidFill>
@@ -4771,7 +4871,7 @@
                 </a:solidFill>
               </a:defRPr>
             </a:lvl2pPr>
-            <a:lvl3pPr lvl="2" algn="r">
+            <a:lvl3pPr lvl="2" rtl="0" algn="r">
               <a:buNone/>
               <a:defRPr sz="1000">
                 <a:solidFill>
@@ -4779,7 +4879,7 @@
                 </a:solidFill>
               </a:defRPr>
             </a:lvl3pPr>
-            <a:lvl4pPr lvl="3" algn="r">
+            <a:lvl4pPr lvl="3" rtl="0" algn="r">
               <a:buNone/>
               <a:defRPr sz="1000">
                 <a:solidFill>
@@ -4787,7 +4887,7 @@
                 </a:solidFill>
               </a:defRPr>
             </a:lvl4pPr>
-            <a:lvl5pPr lvl="4" algn="r">
+            <a:lvl5pPr lvl="4" rtl="0" algn="r">
               <a:buNone/>
               <a:defRPr sz="1000">
                 <a:solidFill>
@@ -4795,7 +4895,7 @@
                 </a:solidFill>
               </a:defRPr>
             </a:lvl5pPr>
-            <a:lvl6pPr lvl="5" algn="r">
+            <a:lvl6pPr lvl="5" rtl="0" algn="r">
               <a:buNone/>
               <a:defRPr sz="1000">
                 <a:solidFill>
@@ -4803,7 +4903,7 @@
                 </a:solidFill>
               </a:defRPr>
             </a:lvl6pPr>
-            <a:lvl7pPr lvl="6" algn="r">
+            <a:lvl7pPr lvl="6" rtl="0" algn="r">
               <a:buNone/>
               <a:defRPr sz="1000">
                 <a:solidFill>
@@ -4811,7 +4911,7 @@
                 </a:solidFill>
               </a:defRPr>
             </a:lvl7pPr>
-            <a:lvl8pPr lvl="7" algn="r">
+            <a:lvl8pPr lvl="7" rtl="0" algn="r">
               <a:buNone/>
               <a:defRPr sz="1000">
                 <a:solidFill>
@@ -4819,7 +4919,7 @@
                 </a:solidFill>
               </a:defRPr>
             </a:lvl8pPr>
-            <a:lvl9pPr lvl="8" algn="r">
+            <a:lvl9pPr lvl="8" rtl="0" algn="r">
               <a:buNone/>
               <a:defRPr sz="1000">
                 <a:solidFill>
@@ -5582,7 +5682,7 @@
         </p:nvSpPr>
         <p:spPr>
           <a:xfrm>
-            <a:off x="311708" y="153050"/>
+            <a:off x="311708" y="73950"/>
             <a:ext cx="8520600" cy="2052600"/>
           </a:xfrm>
           <a:prstGeom prst="rect">
@@ -5610,7 +5710,31 @@
                   <a:srgbClr val="F3F3F3"/>
                 </a:solidFill>
               </a:rPr>
-              <a:t>Raspberry PI Button Interface</a:t>
+              <a:t>Raspberry PI</a:t>
+            </a:r>
+            <a:endParaRPr>
+              <a:solidFill>
+                <a:srgbClr val="F3F3F3"/>
+              </a:solidFill>
+            </a:endParaRPr>
+          </a:p>
+          <a:p>
+            <a:pPr indent="0" lvl="0" marL="0" rtl="0" algn="ctr">
+              <a:spcBef>
+                <a:spcPts val="0"/>
+              </a:spcBef>
+              <a:spcAft>
+                <a:spcPts val="0"/>
+              </a:spcAft>
+              <a:buNone/>
+            </a:pPr>
+            <a:r>
+              <a:rPr lang="en">
+                <a:solidFill>
+                  <a:srgbClr val="F3F3F3"/>
+                </a:solidFill>
+              </a:rPr>
+              <a:t>Button Interface</a:t>
             </a:r>
             <a:endParaRPr>
               <a:solidFill>
@@ -5630,7 +5754,7 @@
         </p:nvSpPr>
         <p:spPr>
           <a:xfrm>
-            <a:off x="311700" y="2834125"/>
+            <a:off x="0" y="4034100"/>
             <a:ext cx="3718200" cy="1109400"/>
           </a:xfrm>
           <a:prstGeom prst="rect">
@@ -5643,7 +5767,31 @@
           </a:bodyPr>
           <a:lstStyle/>
           <a:p>
-            <a:pPr indent="0" lvl="0" marL="0" rtl="0" algn="ctr">
+            <a:pPr indent="0" lvl="0" marL="0" rtl="0" algn="l">
+              <a:spcBef>
+                <a:spcPts val="0"/>
+              </a:spcBef>
+              <a:spcAft>
+                <a:spcPts val="0"/>
+              </a:spcAft>
+              <a:buNone/>
+            </a:pPr>
+            <a:r>
+              <a:rPr lang="en">
+                <a:solidFill>
+                  <a:srgbClr val="F3F3F3"/>
+                </a:solidFill>
+              </a:rPr>
+              <a:t>Kevin Buranasombati</a:t>
+            </a:r>
+            <a:endParaRPr>
+              <a:solidFill>
+                <a:srgbClr val="F3F3F3"/>
+              </a:solidFill>
+            </a:endParaRPr>
+          </a:p>
+          <a:p>
+            <a:pPr indent="0" lvl="0" marL="0" rtl="0" algn="l">
               <a:spcBef>
                 <a:spcPts val="0"/>
               </a:spcBef>
@@ -5659,30 +5807,6 @@
                 </a:solidFill>
               </a:rPr>
               <a:t>Devin Rowland</a:t>
-            </a:r>
-            <a:endParaRPr>
-              <a:solidFill>
-                <a:srgbClr val="F3F3F3"/>
-              </a:solidFill>
-            </a:endParaRPr>
-          </a:p>
-          <a:p>
-            <a:pPr indent="0" lvl="0" marL="0" rtl="0" algn="ctr">
-              <a:spcBef>
-                <a:spcPts val="0"/>
-              </a:spcBef>
-              <a:spcAft>
-                <a:spcPts val="0"/>
-              </a:spcAft>
-              <a:buNone/>
-            </a:pPr>
-            <a:r>
-              <a:rPr lang="en">
-                <a:solidFill>
-                  <a:srgbClr val="F3F3F3"/>
-                </a:solidFill>
-              </a:rPr>
-              <a:t>Kevin Buranasombati</a:t>
             </a:r>
             <a:endParaRPr>
               <a:solidFill>
@@ -5700,8 +5824,8 @@
         </p:nvSpPr>
         <p:spPr>
           <a:xfrm>
-            <a:off x="4325400" y="2821975"/>
-            <a:ext cx="4506900" cy="1133700"/>
+            <a:off x="6193500" y="4021950"/>
+            <a:ext cx="2950500" cy="1133700"/>
           </a:xfrm>
           <a:prstGeom prst="rect">
             <a:avLst/>
@@ -5717,7 +5841,7 @@
           </a:bodyPr>
           <a:lstStyle/>
           <a:p>
-            <a:pPr indent="0" lvl="0" marL="0" rtl="0" algn="ctr">
+            <a:pPr indent="0" lvl="0" marL="0" rtl="0" algn="l">
               <a:spcBef>
                 <a:spcPts val="0"/>
               </a:spcBef>
@@ -5741,7 +5865,7 @@
             </a:endParaRPr>
           </a:p>
           <a:p>
-            <a:pPr indent="0" lvl="0" marL="0" rtl="0" algn="ctr">
+            <a:pPr indent="0" lvl="0" marL="0" rtl="0" algn="l">
               <a:spcBef>
                 <a:spcPts val="0"/>
               </a:spcBef>
@@ -5771,6 +5895,62 @@
           </a:p>
         </p:txBody>
       </p:sp>
+      <p:pic>
+        <p:nvPicPr>
+          <p:cNvPr id="57" name="Google Shape;57;p13"/>
+          <p:cNvPicPr preferRelativeResize="0"/>
+          <p:nvPr/>
+        </p:nvPicPr>
+        <p:blipFill>
+          <a:blip r:embed="rId3">
+            <a:alphaModFix/>
+          </a:blip>
+          <a:stretch>
+            <a:fillRect/>
+          </a:stretch>
+        </p:blipFill>
+        <p:spPr>
+          <a:xfrm>
+            <a:off x="86388" y="197182"/>
+            <a:ext cx="1970375" cy="2702800"/>
+          </a:xfrm>
+          <a:prstGeom prst="rect">
+            <a:avLst/>
+          </a:prstGeom>
+          <a:noFill/>
+          <a:ln>
+            <a:noFill/>
+          </a:ln>
+        </p:spPr>
+      </p:pic>
+      <p:pic>
+        <p:nvPicPr>
+          <p:cNvPr id="58" name="Google Shape;58;p13"/>
+          <p:cNvPicPr preferRelativeResize="0"/>
+          <p:nvPr/>
+        </p:nvPicPr>
+        <p:blipFill>
+          <a:blip r:embed="rId4">
+            <a:alphaModFix/>
+          </a:blip>
+          <a:stretch>
+            <a:fillRect/>
+          </a:stretch>
+        </p:blipFill>
+        <p:spPr>
+          <a:xfrm rot="5400000">
+            <a:off x="6601328" y="488075"/>
+            <a:ext cx="2826025" cy="2120975"/>
+          </a:xfrm>
+          <a:prstGeom prst="rect">
+            <a:avLst/>
+          </a:prstGeom>
+          <a:noFill/>
+          <a:ln>
+            <a:noFill/>
+          </a:ln>
+        </p:spPr>
+      </p:pic>
     </p:spTree>
   </p:cSld>
   <p:clrMapOvr>
@@ -5784,7 +5964,7 @@
   <p:cSld>
     <p:spTree>
       <p:nvGrpSpPr>
-        <p:cNvPr id="60" name="Shape 60"/>
+        <p:cNvPr id="62" name="Shape 62"/>
         <p:cNvGrpSpPr/>
         <p:nvPr/>
       </p:nvGrpSpPr>
@@ -5798,7 +5978,7 @@
       </p:grpSpPr>
       <p:sp>
         <p:nvSpPr>
-          <p:cNvPr id="61" name="Google Shape;61;p14"/>
+          <p:cNvPr id="63" name="Google Shape;63;p14"/>
           <p:cNvSpPr txBox="1"/>
           <p:nvPr>
             <p:ph type="title"/>
@@ -5806,7 +5986,7 @@
         </p:nvSpPr>
         <p:spPr>
           <a:xfrm>
-            <a:off x="311700" y="445025"/>
+            <a:off x="262400" y="247850"/>
             <a:ext cx="8520600" cy="572700"/>
           </a:xfrm>
           <a:prstGeom prst="rect">
@@ -5838,7 +6018,7 @@
       </p:sp>
       <p:sp>
         <p:nvSpPr>
-          <p:cNvPr id="62" name="Google Shape;62;p14"/>
+          <p:cNvPr id="64" name="Google Shape;64;p14"/>
           <p:cNvSpPr txBox="1"/>
           <p:nvPr>
             <p:ph idx="1" type="body"/>
@@ -5847,7 +6027,7 @@
         <p:spPr>
           <a:xfrm>
             <a:off x="311700" y="1152475"/>
-            <a:ext cx="8520600" cy="3416400"/>
+            <a:ext cx="8520600" cy="3771600"/>
           </a:xfrm>
           <a:prstGeom prst="rect">
             <a:avLst/>
@@ -5869,10 +6049,18 @@
               <a:buNone/>
             </a:pPr>
             <a:r>
-              <a:rPr lang="en" sz="1900"/>
-              <a:t>The goal of this project is to allow for instant feedback when a Quick Print Station is not functioning correctly</a:t>
+              <a:rPr lang="en" sz="1900">
+                <a:solidFill>
+                  <a:srgbClr val="EFEFEF"/>
+                </a:solidFill>
+              </a:rPr>
+              <a:t>The goal of this project is to allow for close to instant feedback when a Quick Print Station is not functioning correctly</a:t>
             </a:r>
-            <a:endParaRPr sz="1900"/>
+            <a:endParaRPr sz="1900">
+              <a:solidFill>
+                <a:srgbClr val="EFEFEF"/>
+              </a:solidFill>
+            </a:endParaRPr>
           </a:p>
           <a:p>
             <a:pPr indent="0" lvl="0" marL="0" rtl="0" algn="l">
@@ -5887,7 +6075,11 @@
             <a:r>
               <a:t/>
             </a:r>
-            <a:endParaRPr sz="1900"/>
+            <a:endParaRPr sz="1900">
+              <a:solidFill>
+                <a:srgbClr val="EFEFEF"/>
+              </a:solidFill>
+            </a:endParaRPr>
           </a:p>
           <a:p>
             <a:pPr indent="0" lvl="0" marL="0" rtl="0" algn="l">
@@ -5895,15 +6087,329 @@
                 <a:spcPts val="1600"/>
               </a:spcBef>
               <a:spcAft>
-                <a:spcPts val="1600"/>
+                <a:spcPts val="0"/>
               </a:spcAft>
               <a:buNone/>
             </a:pPr>
             <a:r>
-              <a:rPr lang="en" sz="1900"/>
-              <a:t>We hope that when issues occur</a:t>
+              <a:rPr lang="en" sz="1900">
+                <a:solidFill>
+                  <a:srgbClr val="EFEFEF"/>
+                </a:solidFill>
+              </a:rPr>
+              <a:t>When issues occur students will be able to notify a labs and classroom technician with a few presses of a button. </a:t>
             </a:r>
-            <a:endParaRPr sz="1900"/>
+            <a:endParaRPr sz="1900">
+              <a:solidFill>
+                <a:srgbClr val="EFEFEF"/>
+              </a:solidFill>
+            </a:endParaRPr>
+          </a:p>
+          <a:p>
+            <a:pPr indent="0" lvl="0" marL="0" rtl="0" algn="l">
+              <a:spcBef>
+                <a:spcPts val="1600"/>
+              </a:spcBef>
+              <a:spcAft>
+                <a:spcPts val="0"/>
+              </a:spcAft>
+              <a:buNone/>
+            </a:pPr>
+            <a:r>
+              <a:t/>
+            </a:r>
+            <a:endParaRPr sz="1900">
+              <a:solidFill>
+                <a:srgbClr val="EFEFEF"/>
+              </a:solidFill>
+            </a:endParaRPr>
+          </a:p>
+          <a:p>
+            <a:pPr indent="0" lvl="0" marL="0" rtl="0" algn="l">
+              <a:spcBef>
+                <a:spcPts val="1600"/>
+              </a:spcBef>
+              <a:spcAft>
+                <a:spcPts val="0"/>
+              </a:spcAft>
+              <a:buNone/>
+            </a:pPr>
+            <a:r>
+              <a:rPr lang="en" sz="1900">
+                <a:solidFill>
+                  <a:srgbClr val="EFEFEF"/>
+                </a:solidFill>
+              </a:rPr>
+              <a:t>This type of interaction and response hopefully allows for a more positive user experience. </a:t>
+            </a:r>
+            <a:endParaRPr sz="1900">
+              <a:solidFill>
+                <a:srgbClr val="EFEFEF"/>
+              </a:solidFill>
+            </a:endParaRPr>
+          </a:p>
+          <a:p>
+            <a:pPr indent="0" lvl="0" marL="0" rtl="0" algn="l">
+              <a:spcBef>
+                <a:spcPts val="1600"/>
+              </a:spcBef>
+              <a:spcAft>
+                <a:spcPts val="1600"/>
+              </a:spcAft>
+              <a:buNone/>
+            </a:pPr>
+            <a:r>
+              <a:t/>
+            </a:r>
+            <a:endParaRPr sz="1900">
+              <a:solidFill>
+                <a:srgbClr val="EFEFEF"/>
+              </a:solidFill>
+            </a:endParaRPr>
+          </a:p>
+        </p:txBody>
+      </p:sp>
+    </p:spTree>
+  </p:cSld>
+  <p:clrMapOvr>
+    <a:masterClrMapping/>
+  </p:clrMapOvr>
+</p:sld>
+</file>
+
+<file path=ppt/slides/slide3.xml><?xml version="1.0" encoding="utf-8"?>
+<p:sld xmlns:a="http://schemas.openxmlformats.org/drawingml/2006/main" xmlns:r="http://schemas.openxmlformats.org/officeDocument/2006/relationships" xmlns:mc="http://schemas.openxmlformats.org/markup-compatibility/2006" xmlns:mv="urn:schemas-microsoft-com:mac:vml" xmlns:p="http://schemas.openxmlformats.org/presentationml/2006/main" xmlns:c="http://schemas.openxmlformats.org/drawingml/2006/chart" xmlns:dgm="http://schemas.openxmlformats.org/drawingml/2006/diagram" xmlns:o="urn:schemas-microsoft-com:office:office" xmlns:v="urn:schemas-microsoft-com:vml" xmlns:pvml="urn:schemas-microsoft-com:office:powerpoint" xmlns:com="http://schemas.openxmlformats.org/drawingml/2006/compatibility" xmlns:p14="http://schemas.microsoft.com/office/powerpoint/2010/main" xmlns:p15="http://schemas.microsoft.com/office/powerpoint/2012/main">
+  <p:cSld>
+    <p:spTree>
+      <p:nvGrpSpPr>
+        <p:cNvPr id="68" name="Shape 68"/>
+        <p:cNvGrpSpPr/>
+        <p:nvPr/>
+      </p:nvGrpSpPr>
+      <p:grpSpPr>
+        <a:xfrm>
+          <a:off x="0" y="0"/>
+          <a:ext cx="0" cy="0"/>
+          <a:chOff x="0" y="0"/>
+          <a:chExt cx="0" cy="0"/>
+        </a:xfrm>
+      </p:grpSpPr>
+      <p:sp>
+        <p:nvSpPr>
+          <p:cNvPr id="69" name="Google Shape;69;p15"/>
+          <p:cNvSpPr txBox="1"/>
+          <p:nvPr>
+            <p:ph type="title"/>
+          </p:nvPr>
+        </p:nvSpPr>
+        <p:spPr>
+          <a:xfrm>
+            <a:off x="311700" y="108200"/>
+            <a:ext cx="8520600" cy="572700"/>
+          </a:xfrm>
+          <a:prstGeom prst="rect">
+            <a:avLst/>
+          </a:prstGeom>
+        </p:spPr>
+        <p:txBody>
+          <a:bodyPr anchorCtr="0" anchor="t" bIns="91425" lIns="91425" spcFirstLastPara="1" rIns="91425" wrap="square" tIns="91425">
+            <a:noAutofit/>
+          </a:bodyPr>
+          <a:lstStyle/>
+          <a:p>
+            <a:pPr indent="0" lvl="0" marL="0" rtl="0" algn="ctr">
+              <a:spcBef>
+                <a:spcPts val="0"/>
+              </a:spcBef>
+              <a:spcAft>
+                <a:spcPts val="0"/>
+              </a:spcAft>
+              <a:buNone/>
+            </a:pPr>
+            <a:r>
+              <a:rPr lang="en"/>
+              <a:t>Implementation</a:t>
+            </a:r>
+            <a:endParaRPr/>
+          </a:p>
+        </p:txBody>
+      </p:sp>
+      <p:pic>
+        <p:nvPicPr>
+          <p:cNvPr id="70" name="Google Shape;70;p15"/>
+          <p:cNvPicPr preferRelativeResize="0"/>
+          <p:nvPr/>
+        </p:nvPicPr>
+        <p:blipFill>
+          <a:blip r:embed="rId3">
+            <a:alphaModFix/>
+          </a:blip>
+          <a:stretch>
+            <a:fillRect/>
+          </a:stretch>
+        </p:blipFill>
+        <p:spPr>
+          <a:xfrm>
+            <a:off x="3018363" y="703200"/>
+            <a:ext cx="3107275" cy="3959976"/>
+          </a:xfrm>
+          <a:prstGeom prst="rect">
+            <a:avLst/>
+          </a:prstGeom>
+          <a:noFill/>
+          <a:ln>
+            <a:noFill/>
+          </a:ln>
+        </p:spPr>
+      </p:pic>
+      <p:sp>
+        <p:nvSpPr>
+          <p:cNvPr id="71" name="Google Shape;71;p15"/>
+          <p:cNvSpPr txBox="1"/>
+          <p:nvPr/>
+        </p:nvSpPr>
+        <p:spPr>
+          <a:xfrm>
+            <a:off x="70150" y="680900"/>
+            <a:ext cx="2736600" cy="1588500"/>
+          </a:xfrm>
+          <a:prstGeom prst="rect">
+            <a:avLst/>
+          </a:prstGeom>
+          <a:noFill/>
+          <a:ln>
+            <a:noFill/>
+          </a:ln>
+        </p:spPr>
+        <p:txBody>
+          <a:bodyPr anchorCtr="0" anchor="t" bIns="91425" lIns="91425" spcFirstLastPara="1" rIns="91425" wrap="square" tIns="91425">
+            <a:noAutofit/>
+          </a:bodyPr>
+          <a:lstStyle/>
+          <a:p>
+            <a:pPr indent="0" lvl="0" marL="0" rtl="0" algn="l">
+              <a:lnSpc>
+                <a:spcPct val="115000"/>
+              </a:lnSpc>
+              <a:spcBef>
+                <a:spcPts val="0"/>
+              </a:spcBef>
+              <a:spcAft>
+                <a:spcPts val="0"/>
+              </a:spcAft>
+              <a:buNone/>
+            </a:pPr>
+            <a:r>
+              <a:rPr lang="en" sz="1800">
+                <a:solidFill>
+                  <a:srgbClr val="F3F3F3"/>
+                </a:solidFill>
+              </a:rPr>
+              <a:t>Ideally, each Quick Print Kiosk would have a Raspberry Pi, button switch and small monitor.</a:t>
+            </a:r>
+            <a:endParaRPr sz="1800">
+              <a:solidFill>
+                <a:srgbClr val="F3F3F3"/>
+              </a:solidFill>
+            </a:endParaRPr>
+          </a:p>
+          <a:p>
+            <a:pPr indent="0" lvl="0" marL="0" rtl="0" algn="l">
+              <a:lnSpc>
+                <a:spcPct val="115000"/>
+              </a:lnSpc>
+              <a:spcBef>
+                <a:spcPts val="1600"/>
+              </a:spcBef>
+              <a:spcAft>
+                <a:spcPts val="0"/>
+              </a:spcAft>
+              <a:buNone/>
+            </a:pPr>
+            <a:r>
+              <a:t/>
+            </a:r>
+            <a:endParaRPr sz="1800">
+              <a:solidFill>
+                <a:srgbClr val="F3F3F3"/>
+              </a:solidFill>
+            </a:endParaRPr>
+          </a:p>
+          <a:p>
+            <a:pPr indent="0" lvl="0" marL="0" rtl="0" algn="l">
+              <a:lnSpc>
+                <a:spcPct val="115000"/>
+              </a:lnSpc>
+              <a:spcBef>
+                <a:spcPts val="1600"/>
+              </a:spcBef>
+              <a:spcAft>
+                <a:spcPts val="1600"/>
+              </a:spcAft>
+              <a:buNone/>
+            </a:pPr>
+            <a:r>
+              <a:rPr lang="en" sz="1800">
+                <a:solidFill>
+                  <a:srgbClr val="F3F3F3"/>
+                </a:solidFill>
+              </a:rPr>
+              <a:t> </a:t>
+            </a:r>
+            <a:endParaRPr sz="1800">
+              <a:solidFill>
+                <a:srgbClr val="F3F3F3"/>
+              </a:solidFill>
+            </a:endParaRPr>
+          </a:p>
+        </p:txBody>
+      </p:sp>
+      <p:sp>
+        <p:nvSpPr>
+          <p:cNvPr id="72" name="Google Shape;72;p15"/>
+          <p:cNvSpPr txBox="1"/>
+          <p:nvPr/>
+        </p:nvSpPr>
+        <p:spPr>
+          <a:xfrm>
+            <a:off x="6462725" y="680900"/>
+            <a:ext cx="2208300" cy="3024300"/>
+          </a:xfrm>
+          <a:prstGeom prst="rect">
+            <a:avLst/>
+          </a:prstGeom>
+          <a:noFill/>
+          <a:ln>
+            <a:noFill/>
+          </a:ln>
+        </p:spPr>
+        <p:txBody>
+          <a:bodyPr anchorCtr="0" anchor="t" bIns="91425" lIns="91425" spcFirstLastPara="1" rIns="91425" wrap="square" tIns="91425">
+            <a:noAutofit/>
+          </a:bodyPr>
+          <a:lstStyle/>
+          <a:p>
+            <a:pPr indent="0" lvl="0" marL="0" rtl="0" algn="l">
+              <a:lnSpc>
+                <a:spcPct val="115000"/>
+              </a:lnSpc>
+              <a:spcBef>
+                <a:spcPts val="0"/>
+              </a:spcBef>
+              <a:spcAft>
+                <a:spcPts val="1600"/>
+              </a:spcAft>
+              <a:buNone/>
+            </a:pPr>
+            <a:r>
+              <a:rPr lang="en" sz="1800">
+                <a:solidFill>
+                  <a:srgbClr val="F3F3F3"/>
+                </a:solidFill>
+              </a:rPr>
+              <a:t>Labs and Classroom could then view a live status of the state of the Quick Print Kiosk and respond accordingly. </a:t>
+            </a:r>
+            <a:endParaRPr/>
           </a:p>
         </p:txBody>
       </p:sp>
@@ -5916,6 +6422,285 @@
 </file>
 
 <file path=ppt/theme/theme1.xml><?xml version="1.0" encoding="utf-8"?>
+<a:theme xmlns:a="http://schemas.openxmlformats.org/drawingml/2006/main" xmlns:r="http://schemas.openxmlformats.org/officeDocument/2006/relationships" name="Simple Dark">
+  <a:themeElements>
+    <a:clrScheme name="Simple Dark">
+      <a:dk1>
+        <a:srgbClr val="FFFFFF"/>
+      </a:dk1>
+      <a:lt1>
+        <a:srgbClr val="212121"/>
+      </a:lt1>
+      <a:dk2>
+        <a:srgbClr val="303030"/>
+      </a:dk2>
+      <a:lt2>
+        <a:srgbClr val="ADADAD"/>
+      </a:lt2>
+      <a:accent1>
+        <a:srgbClr val="009688"/>
+      </a:accent1>
+      <a:accent2>
+        <a:srgbClr val="EEEEEE"/>
+      </a:accent2>
+      <a:accent3>
+        <a:srgbClr val="78909C"/>
+      </a:accent3>
+      <a:accent4>
+        <a:srgbClr val="FFAB40"/>
+      </a:accent4>
+      <a:accent5>
+        <a:srgbClr val="4DD0E1"/>
+      </a:accent5>
+      <a:accent6>
+        <a:srgbClr val="EEFF41"/>
+      </a:accent6>
+      <a:hlink>
+        <a:srgbClr val="4DD0E1"/>
+      </a:hlink>
+      <a:folHlink>
+        <a:srgbClr val="4DD0E1"/>
+      </a:folHlink>
+    </a:clrScheme>
+    <a:fontScheme name="Office">
+      <a:majorFont>
+        <a:latin typeface="Arial"/>
+        <a:ea typeface=""/>
+        <a:cs typeface=""/>
+        <a:font script="Jpan" typeface="ＭＳ Ｐゴシック"/>
+        <a:font script="Hang" typeface="맑은 고딕"/>
+        <a:font script="Hans" typeface="宋体"/>
+        <a:font script="Hant" typeface="新細明體"/>
+        <a:font script="Arab" typeface="Times New Roman"/>
+        <a:font script="Hebr" typeface="Times New Roman"/>
+        <a:font script="Thai" typeface="Angsana New"/>
+        <a:font script="Ethi" typeface="Nyala"/>
+        <a:font script="Beng" typeface="Vrinda"/>
+        <a:font script="Gujr" typeface="Shruti"/>
+        <a:font script="Khmr" typeface="MoolBoran"/>
+        <a:font script="Knda" typeface="Tunga"/>
+        <a:font script="Guru" typeface="Raavi"/>
+        <a:font script="Cans" typeface="Euphemia"/>
+        <a:font script="Cher" typeface="Plantagenet Cherokee"/>
+        <a:font script="Yiii" typeface="Microsoft Yi Baiti"/>
+        <a:font script="Tibt" typeface="Microsoft Himalaya"/>
+        <a:font script="Thaa" typeface="MV Boli"/>
+        <a:font script="Deva" typeface="Mangal"/>
+        <a:font script="Telu" typeface="Gautami"/>
+        <a:font script="Taml" typeface="Latha"/>
+        <a:font script="Syrc" typeface="Estrangelo Edessa"/>
+        <a:font script="Orya" typeface="Kalinga"/>
+        <a:font script="Mlym" typeface="Kartika"/>
+        <a:font script="Laoo" typeface="DokChampa"/>
+        <a:font script="Sinh" typeface="Iskoola Pota"/>
+        <a:font script="Mong" typeface="Mongolian Baiti"/>
+        <a:font script="Viet" typeface="Times New Roman"/>
+        <a:font script="Uigh" typeface="Microsoft Uighur"/>
+        <a:font script="Geor" typeface="Sylfaen"/>
+      </a:majorFont>
+      <a:minorFont>
+        <a:latin typeface="Arial"/>
+        <a:ea typeface=""/>
+        <a:cs typeface=""/>
+        <a:font script="Jpan" typeface="ＭＳ Ｐゴシック"/>
+        <a:font script="Hang" typeface="맑은 고딕"/>
+        <a:font script="Hans" typeface="宋体"/>
+        <a:font script="Hant" typeface="新細明體"/>
+        <a:font script="Arab" typeface="Arial"/>
+        <a:font script="Hebr" typeface="Arial"/>
+        <a:font script="Thai" typeface="Cordia New"/>
+        <a:font script="Ethi" typeface="Nyala"/>
+        <a:font script="Beng" typeface="Vrinda"/>
+        <a:font script="Gujr" typeface="Shruti"/>
+        <a:font script="Khmr" typeface="DaunPenh"/>
+        <a:font script="Knda" typeface="Tunga"/>
+        <a:font script="Guru" typeface="Raavi"/>
+        <a:font script="Cans" typeface="Euphemia"/>
+        <a:font script="Cher" typeface="Plantagenet Cherokee"/>
+        <a:font script="Yiii" typeface="Microsoft Yi Baiti"/>
+        <a:font script="Tibt" typeface="Microsoft Himalaya"/>
+        <a:font script="Thaa" typeface="MV Boli"/>
+        <a:font script="Deva" typeface="Mangal"/>
+        <a:font script="Telu" typeface="Gautami"/>
+        <a:font script="Taml" typeface="Latha"/>
+        <a:font script="Syrc" typeface="Estrangelo Edessa"/>
+        <a:font script="Orya" typeface="Kalinga"/>
+        <a:font script="Mlym" typeface="Kartika"/>
+        <a:font script="Laoo" typeface="DokChampa"/>
+        <a:font script="Sinh" typeface="Iskoola Pota"/>
+        <a:font script="Mong" typeface="Mongolian Baiti"/>
+        <a:font script="Viet" typeface="Arial"/>
+        <a:font script="Uigh" typeface="Microsoft Uighur"/>
+        <a:font script="Geor" typeface="Sylfaen"/>
+      </a:minorFont>
+    </a:fontScheme>
+    <a:fmtScheme name="Office">
+      <a:fillStyleLst>
+        <a:solidFill>
+          <a:schemeClr val="phClr"/>
+        </a:solidFill>
+        <a:gradFill rotWithShape="1">
+          <a:gsLst>
+            <a:gs pos="0">
+              <a:schemeClr val="phClr">
+                <a:tint val="50000"/>
+                <a:satMod val="300000"/>
+              </a:schemeClr>
+            </a:gs>
+            <a:gs pos="35000">
+              <a:schemeClr val="phClr">
+                <a:tint val="37000"/>
+                <a:satMod val="300000"/>
+              </a:schemeClr>
+            </a:gs>
+            <a:gs pos="100000">
+              <a:schemeClr val="phClr">
+                <a:tint val="15000"/>
+                <a:satMod val="350000"/>
+              </a:schemeClr>
+            </a:gs>
+          </a:gsLst>
+          <a:lin ang="16200000" scaled="1"/>
+        </a:gradFill>
+        <a:gradFill rotWithShape="1">
+          <a:gsLst>
+            <a:gs pos="0">
+              <a:schemeClr val="phClr">
+                <a:tint val="100000"/>
+                <a:shade val="100000"/>
+                <a:satMod val="130000"/>
+              </a:schemeClr>
+            </a:gs>
+            <a:gs pos="100000">
+              <a:schemeClr val="phClr">
+                <a:tint val="50000"/>
+                <a:shade val="100000"/>
+                <a:satMod val="350000"/>
+              </a:schemeClr>
+            </a:gs>
+          </a:gsLst>
+          <a:lin ang="16200000" scaled="0"/>
+        </a:gradFill>
+      </a:fillStyleLst>
+      <a:lnStyleLst>
+        <a:ln w="9525" cap="flat" cmpd="sng" algn="ctr">
+          <a:solidFill>
+            <a:schemeClr val="phClr">
+              <a:shade val="95000"/>
+              <a:satMod val="105000"/>
+            </a:schemeClr>
+          </a:solidFill>
+          <a:prstDash val="solid"/>
+        </a:ln>
+        <a:ln w="25400" cap="flat" cmpd="sng" algn="ctr">
+          <a:solidFill>
+            <a:schemeClr val="phClr"/>
+          </a:solidFill>
+          <a:prstDash val="solid"/>
+        </a:ln>
+        <a:ln w="38100" cap="flat" cmpd="sng" algn="ctr">
+          <a:solidFill>
+            <a:schemeClr val="phClr"/>
+          </a:solidFill>
+          <a:prstDash val="solid"/>
+        </a:ln>
+      </a:lnStyleLst>
+      <a:effectStyleLst>
+        <a:effectStyle>
+          <a:effectLst>
+            <a:outerShdw blurRad="40000" dist="20000" dir="5400000" rotWithShape="0">
+              <a:srgbClr val="000000">
+                <a:alpha val="38000"/>
+              </a:srgbClr>
+            </a:outerShdw>
+          </a:effectLst>
+        </a:effectStyle>
+        <a:effectStyle>
+          <a:effectLst>
+            <a:outerShdw blurRad="40000" dist="23000" dir="5400000" rotWithShape="0">
+              <a:srgbClr val="000000">
+                <a:alpha val="35000"/>
+              </a:srgbClr>
+            </a:outerShdw>
+          </a:effectLst>
+        </a:effectStyle>
+        <a:effectStyle>
+          <a:effectLst>
+            <a:outerShdw blurRad="40000" dist="23000" dir="5400000" rotWithShape="0">
+              <a:srgbClr val="000000">
+                <a:alpha val="35000"/>
+              </a:srgbClr>
+            </a:outerShdw>
+          </a:effectLst>
+          <a:scene3d>
+            <a:camera prst="orthographicFront">
+              <a:rot lat="0" lon="0" rev="0"/>
+            </a:camera>
+            <a:lightRig rig="threePt" dir="t">
+              <a:rot lat="0" lon="0" rev="1200000"/>
+            </a:lightRig>
+          </a:scene3d>
+          <a:sp3d>
+            <a:bevelT w="63500" h="25400"/>
+          </a:sp3d>
+        </a:effectStyle>
+      </a:effectStyleLst>
+      <a:bgFillStyleLst>
+        <a:solidFill>
+          <a:schemeClr val="phClr"/>
+        </a:solidFill>
+        <a:gradFill rotWithShape="1">
+          <a:gsLst>
+            <a:gs pos="0">
+              <a:schemeClr val="phClr">
+                <a:tint val="40000"/>
+                <a:satMod val="350000"/>
+              </a:schemeClr>
+            </a:gs>
+            <a:gs pos="40000">
+              <a:schemeClr val="phClr">
+                <a:tint val="45000"/>
+                <a:shade val="99000"/>
+                <a:satMod val="350000"/>
+              </a:schemeClr>
+            </a:gs>
+            <a:gs pos="100000">
+              <a:schemeClr val="phClr">
+                <a:shade val="20000"/>
+                <a:satMod val="255000"/>
+              </a:schemeClr>
+            </a:gs>
+          </a:gsLst>
+          <a:path path="circle">
+            <a:fillToRect l="50000" t="-80000" r="50000" b="180000"/>
+          </a:path>
+        </a:gradFill>
+        <a:gradFill rotWithShape="1">
+          <a:gsLst>
+            <a:gs pos="0">
+              <a:schemeClr val="phClr">
+                <a:tint val="80000"/>
+                <a:satMod val="300000"/>
+              </a:schemeClr>
+            </a:gs>
+            <a:gs pos="100000">
+              <a:schemeClr val="phClr">
+                <a:shade val="30000"/>
+                <a:satMod val="200000"/>
+              </a:schemeClr>
+            </a:gs>
+          </a:gsLst>
+          <a:path path="circle">
+            <a:fillToRect l="50000" t="50000" r="50000" b="50000"/>
+          </a:path>
+        </a:gradFill>
+      </a:bgFillStyleLst>
+    </a:fmtScheme>
+  </a:themeElements>
+</a:theme>
+</file>
+
+<file path=ppt/theme/theme2.xml><?xml version="1.0" encoding="utf-8"?>
 <a:theme xmlns:a="http://schemas.openxmlformats.org/drawingml/2006/main" xmlns:r="http://schemas.openxmlformats.org/officeDocument/2006/relationships">
   <a:themeElements>
     <a:clrScheme name="Default">
@@ -6192,283 +6977,4 @@
     </a:fmtScheme>
   </a:themeElements>
 </a:theme>
-</file>
-
-<file path=ppt/theme/theme2.xml><?xml version="1.0" encoding="utf-8"?>
-<a:theme xmlns:a="http://schemas.openxmlformats.org/drawingml/2006/main" xmlns:r="http://schemas.openxmlformats.org/officeDocument/2006/relationships" name="Simple Dark">
-  <a:themeElements>
-    <a:clrScheme name="Simple Dark">
-      <a:dk1>
-        <a:srgbClr val="FFFFFF"/>
-      </a:dk1>
-      <a:lt1>
-        <a:srgbClr val="212121"/>
-      </a:lt1>
-      <a:dk2>
-        <a:srgbClr val="303030"/>
-      </a:dk2>
-      <a:lt2>
-        <a:srgbClr val="ADADAD"/>
-      </a:lt2>
-      <a:accent1>
-        <a:srgbClr val="009688"/>
-      </a:accent1>
-      <a:accent2>
-        <a:srgbClr val="EEEEEE"/>
-      </a:accent2>
-      <a:accent3>
-        <a:srgbClr val="78909C"/>
-      </a:accent3>
-      <a:accent4>
-        <a:srgbClr val="FFAB40"/>
-      </a:accent4>
-      <a:accent5>
-        <a:srgbClr val="4DD0E1"/>
-      </a:accent5>
-      <a:accent6>
-        <a:srgbClr val="EEFF41"/>
-      </a:accent6>
-      <a:hlink>
-        <a:srgbClr val="4DD0E1"/>
-      </a:hlink>
-      <a:folHlink>
-        <a:srgbClr val="4DD0E1"/>
-      </a:folHlink>
-    </a:clrScheme>
-    <a:fontScheme name="Office">
-      <a:majorFont>
-        <a:latin typeface="Arial"/>
-        <a:ea typeface=""/>
-        <a:cs typeface=""/>
-        <a:font script="Jpan" typeface="ＭＳ Ｐゴシック"/>
-        <a:font script="Hang" typeface="맑은 고딕"/>
-        <a:font script="Hans" typeface="宋体"/>
-        <a:font script="Hant" typeface="新細明體"/>
-        <a:font script="Arab" typeface="Times New Roman"/>
-        <a:font script="Hebr" typeface="Times New Roman"/>
-        <a:font script="Thai" typeface="Angsana New"/>
-        <a:font script="Ethi" typeface="Nyala"/>
-        <a:font script="Beng" typeface="Vrinda"/>
-        <a:font script="Gujr" typeface="Shruti"/>
-        <a:font script="Khmr" typeface="MoolBoran"/>
-        <a:font script="Knda" typeface="Tunga"/>
-        <a:font script="Guru" typeface="Raavi"/>
-        <a:font script="Cans" typeface="Euphemia"/>
-        <a:font script="Cher" typeface="Plantagenet Cherokee"/>
-        <a:font script="Yiii" typeface="Microsoft Yi Baiti"/>
-        <a:font script="Tibt" typeface="Microsoft Himalaya"/>
-        <a:font script="Thaa" typeface="MV Boli"/>
-        <a:font script="Deva" typeface="Mangal"/>
-        <a:font script="Telu" typeface="Gautami"/>
-        <a:font script="Taml" typeface="Latha"/>
-        <a:font script="Syrc" typeface="Estrangelo Edessa"/>
-        <a:font script="Orya" typeface="Kalinga"/>
-        <a:font script="Mlym" typeface="Kartika"/>
-        <a:font script="Laoo" typeface="DokChampa"/>
-        <a:font script="Sinh" typeface="Iskoola Pota"/>
-        <a:font script="Mong" typeface="Mongolian Baiti"/>
-        <a:font script="Viet" typeface="Times New Roman"/>
-        <a:font script="Uigh" typeface="Microsoft Uighur"/>
-        <a:font script="Geor" typeface="Sylfaen"/>
-      </a:majorFont>
-      <a:minorFont>
-        <a:latin typeface="Arial"/>
-        <a:ea typeface=""/>
-        <a:cs typeface=""/>
-        <a:font script="Jpan" typeface="ＭＳ Ｐゴシック"/>
-        <a:font script="Hang" typeface="맑은 고딕"/>
-        <a:font script="Hans" typeface="宋体"/>
-        <a:font script="Hant" typeface="新細明體"/>
-        <a:font script="Arab" typeface="Arial"/>
-        <a:font script="Hebr" typeface="Arial"/>
-        <a:font script="Thai" typeface="Cordia New"/>
-        <a:font script="Ethi" typeface="Nyala"/>
-        <a:font script="Beng" typeface="Vrinda"/>
-        <a:font script="Gujr" typeface="Shruti"/>
-        <a:font script="Khmr" typeface="DaunPenh"/>
-        <a:font script="Knda" typeface="Tunga"/>
-        <a:font script="Guru" typeface="Raavi"/>
-        <a:font script="Cans" typeface="Euphemia"/>
-        <a:font script="Cher" typeface="Plantagenet Cherokee"/>
-        <a:font script="Yiii" typeface="Microsoft Yi Baiti"/>
-        <a:font script="Tibt" typeface="Microsoft Himalaya"/>
-        <a:font script="Thaa" typeface="MV Boli"/>
-        <a:font script="Deva" typeface="Mangal"/>
-        <a:font script="Telu" typeface="Gautami"/>
-        <a:font script="Taml" typeface="Latha"/>
-        <a:font script="Syrc" typeface="Estrangelo Edessa"/>
-        <a:font script="Orya" typeface="Kalinga"/>
-        <a:font script="Mlym" typeface="Kartika"/>
-        <a:font script="Laoo" typeface="DokChampa"/>
-        <a:font script="Sinh" typeface="Iskoola Pota"/>
-        <a:font script="Mong" typeface="Mongolian Baiti"/>
-        <a:font script="Viet" typeface="Arial"/>
-        <a:font script="Uigh" typeface="Microsoft Uighur"/>
-        <a:font script="Geor" typeface="Sylfaen"/>
-      </a:minorFont>
-    </a:fontScheme>
-    <a:fmtScheme name="Office">
-      <a:fillStyleLst>
-        <a:solidFill>
-          <a:schemeClr val="phClr"/>
-        </a:solidFill>
-        <a:gradFill rotWithShape="1">
-          <a:gsLst>
-            <a:gs pos="0">
-              <a:schemeClr val="phClr">
-                <a:tint val="50000"/>
-                <a:satMod val="300000"/>
-              </a:schemeClr>
-            </a:gs>
-            <a:gs pos="35000">
-              <a:schemeClr val="phClr">
-                <a:tint val="37000"/>
-                <a:satMod val="300000"/>
-              </a:schemeClr>
-            </a:gs>
-            <a:gs pos="100000">
-              <a:schemeClr val="phClr">
-                <a:tint val="15000"/>
-                <a:satMod val="350000"/>
-              </a:schemeClr>
-            </a:gs>
-          </a:gsLst>
-          <a:lin ang="16200000" scaled="1"/>
-        </a:gradFill>
-        <a:gradFill rotWithShape="1">
-          <a:gsLst>
-            <a:gs pos="0">
-              <a:schemeClr val="phClr">
-                <a:tint val="100000"/>
-                <a:shade val="100000"/>
-                <a:satMod val="130000"/>
-              </a:schemeClr>
-            </a:gs>
-            <a:gs pos="100000">
-              <a:schemeClr val="phClr">
-                <a:tint val="50000"/>
-                <a:shade val="100000"/>
-                <a:satMod val="350000"/>
-              </a:schemeClr>
-            </a:gs>
-          </a:gsLst>
-          <a:lin ang="16200000" scaled="0"/>
-        </a:gradFill>
-      </a:fillStyleLst>
-      <a:lnStyleLst>
-        <a:ln w="9525" cap="flat" cmpd="sng" algn="ctr">
-          <a:solidFill>
-            <a:schemeClr val="phClr">
-              <a:shade val="95000"/>
-              <a:satMod val="105000"/>
-            </a:schemeClr>
-          </a:solidFill>
-          <a:prstDash val="solid"/>
-        </a:ln>
-        <a:ln w="25400" cap="flat" cmpd="sng" algn="ctr">
-          <a:solidFill>
-            <a:schemeClr val="phClr"/>
-          </a:solidFill>
-          <a:prstDash val="solid"/>
-        </a:ln>
-        <a:ln w="38100" cap="flat" cmpd="sng" algn="ctr">
-          <a:solidFill>
-            <a:schemeClr val="phClr"/>
-          </a:solidFill>
-          <a:prstDash val="solid"/>
-        </a:ln>
-      </a:lnStyleLst>
-      <a:effectStyleLst>
-        <a:effectStyle>
-          <a:effectLst>
-            <a:outerShdw blurRad="40000" dist="20000" dir="5400000" rotWithShape="0">
-              <a:srgbClr val="000000">
-                <a:alpha val="38000"/>
-              </a:srgbClr>
-            </a:outerShdw>
-          </a:effectLst>
-        </a:effectStyle>
-        <a:effectStyle>
-          <a:effectLst>
-            <a:outerShdw blurRad="40000" dist="23000" dir="5400000" rotWithShape="0">
-              <a:srgbClr val="000000">
-                <a:alpha val="35000"/>
-              </a:srgbClr>
-            </a:outerShdw>
-          </a:effectLst>
-        </a:effectStyle>
-        <a:effectStyle>
-          <a:effectLst>
-            <a:outerShdw blurRad="40000" dist="23000" dir="5400000" rotWithShape="0">
-              <a:srgbClr val="000000">
-                <a:alpha val="35000"/>
-              </a:srgbClr>
-            </a:outerShdw>
-          </a:effectLst>
-          <a:scene3d>
-            <a:camera prst="orthographicFront">
-              <a:rot lat="0" lon="0" rev="0"/>
-            </a:camera>
-            <a:lightRig rig="threePt" dir="t">
-              <a:rot lat="0" lon="0" rev="1200000"/>
-            </a:lightRig>
-          </a:scene3d>
-          <a:sp3d>
-            <a:bevelT w="63500" h="25400"/>
-          </a:sp3d>
-        </a:effectStyle>
-      </a:effectStyleLst>
-      <a:bgFillStyleLst>
-        <a:solidFill>
-          <a:schemeClr val="phClr"/>
-        </a:solidFill>
-        <a:gradFill rotWithShape="1">
-          <a:gsLst>
-            <a:gs pos="0">
-              <a:schemeClr val="phClr">
-                <a:tint val="40000"/>
-                <a:satMod val="350000"/>
-              </a:schemeClr>
-            </a:gs>
-            <a:gs pos="40000">
-              <a:schemeClr val="phClr">
-                <a:tint val="45000"/>
-                <a:shade val="99000"/>
-                <a:satMod val="350000"/>
-              </a:schemeClr>
-            </a:gs>
-            <a:gs pos="100000">
-              <a:schemeClr val="phClr">
-                <a:shade val="20000"/>
-                <a:satMod val="255000"/>
-              </a:schemeClr>
-            </a:gs>
-          </a:gsLst>
-          <a:path path="circle">
-            <a:fillToRect l="50000" t="-80000" r="50000" b="180000"/>
-          </a:path>
-        </a:gradFill>
-        <a:gradFill rotWithShape="1">
-          <a:gsLst>
-            <a:gs pos="0">
-              <a:schemeClr val="phClr">
-                <a:tint val="80000"/>
-                <a:satMod val="300000"/>
-              </a:schemeClr>
-            </a:gs>
-            <a:gs pos="100000">
-              <a:schemeClr val="phClr">
-                <a:shade val="30000"/>
-                <a:satMod val="200000"/>
-              </a:schemeClr>
-            </a:gs>
-          </a:gsLst>
-          <a:path path="circle">
-            <a:fillToRect l="50000" t="50000" r="50000" b="50000"/>
-          </a:path>
-        </a:gradFill>
-      </a:bgFillStyleLst>
-    </a:fmtScheme>
-  </a:themeElements>
-</a:theme>
 </file>